--- a/Project/Documentos/Buyee.pptx
+++ b/Project/Documentos/Buyee.pptx
@@ -5,49 +5,42 @@
     <p:sldMasterId id="2147483648" r:id="rId1"/>
   </p:sldMasterIdLst>
   <p:sldIdLst>
-    <p:sldId id="256" r:id="rId3"/>
-    <p:sldId id="257" r:id="rId4"/>
-    <p:sldId id="258" r:id="rId5"/>
-    <p:sldId id="259" r:id="rId6"/>
-    <p:sldId id="260" r:id="rId7"/>
-    <p:sldId id="261" r:id="rId8"/>
-    <p:sldId id="262" r:id="rId9"/>
-    <p:sldId id="263" r:id="rId10"/>
-    <p:sldId id="264" r:id="rId11"/>
-    <p:sldId id="265" r:id="rId12"/>
-    <p:sldId id="266" r:id="rId13"/>
-    <p:sldId id="267" r:id="rId14"/>
-    <p:sldId id="268" r:id="rId15"/>
-    <p:sldId id="269" r:id="rId16"/>
-    <p:sldId id="270" r:id="rId17"/>
-    <p:sldId id="271" r:id="rId18"/>
-    <p:sldId id="272" r:id="rId19"/>
-    <p:sldId id="273" r:id="rId20"/>
-    <p:sldId id="274" r:id="rId21"/>
-    <p:sldId id="275" r:id="rId22"/>
-    <p:sldId id="276" r:id="rId23"/>
-    <p:sldId id="277" r:id="rId24"/>
-    <p:sldId id="278" r:id="rId25"/>
-    <p:sldId id="279" r:id="rId26"/>
-    <p:sldId id="280" r:id="rId27"/>
-    <p:sldId id="281" r:id="rId28"/>
-    <p:sldId id="282" r:id="rId29"/>
-    <p:sldId id="283" r:id="rId30"/>
-    <p:sldId id="284" r:id="rId31"/>
+    <p:sldId id="256" r:id="rId2"/>
+    <p:sldId id="257" r:id="rId3"/>
+    <p:sldId id="258" r:id="rId4"/>
+    <p:sldId id="259" r:id="rId5"/>
+    <p:sldId id="260" r:id="rId6"/>
+    <p:sldId id="261" r:id="rId7"/>
+    <p:sldId id="262" r:id="rId8"/>
+    <p:sldId id="263" r:id="rId9"/>
+    <p:sldId id="264" r:id="rId10"/>
+    <p:sldId id="265" r:id="rId11"/>
+    <p:sldId id="266" r:id="rId12"/>
+    <p:sldId id="267" r:id="rId13"/>
+    <p:sldId id="268" r:id="rId14"/>
+    <p:sldId id="269" r:id="rId15"/>
+    <p:sldId id="270" r:id="rId16"/>
+    <p:sldId id="271" r:id="rId17"/>
+    <p:sldId id="272" r:id="rId18"/>
+    <p:sldId id="273" r:id="rId19"/>
+    <p:sldId id="274" r:id="rId20"/>
+    <p:sldId id="275" r:id="rId21"/>
+    <p:sldId id="276" r:id="rId22"/>
+    <p:sldId id="277" r:id="rId23"/>
+    <p:sldId id="278" r:id="rId24"/>
+    <p:sldId id="279" r:id="rId25"/>
+    <p:sldId id="280" r:id="rId26"/>
+    <p:sldId id="281" r:id="rId27"/>
+    <p:sldId id="282" r:id="rId28"/>
+    <p:sldId id="283" r:id="rId29"/>
+    <p:sldId id="284" r:id="rId30"/>
   </p:sldIdLst>
   <p:sldSz cx="18288000" cy="10287000"/>
   <p:notesSz cx="6858000" cy="9144000"/>
   <p:embeddedFontLst>
     <p:embeddedFont>
-      <p:font typeface="Open Sans" panose="020B0606030504020204"/>
-      <p:regular r:id="rId35"/>
-    </p:embeddedFont>
-    <p:embeddedFont>
-      <p:font typeface="Calibri" panose="020F0502020204030204" charset="0"/>
-      <p:regular r:id="rId36"/>
-      <p:bold r:id="rId37"/>
-      <p:italic r:id="rId38"/>
-      <p:boldItalic r:id="rId39"/>
+      <p:font typeface="Open Sans" panose="020B0606030504020204" pitchFamily="34" charset="0"/>
+      <p:regular r:id="rId31"/>
     </p:embeddedFont>
   </p:embeddedFontLst>
   <p:defaultTextStyle>
@@ -202,10 +195,9 @@
           <a:lstStyle/>
           <a:p>
             <a:r>
-              <a:rPr lang="en-US" smtClean="0"/>
+              <a:rPr lang="en-US"/>
               <a:t>Click to edit Master title style</a:t>
             </a:r>
-            <a:endParaRPr lang="en-US"/>
           </a:p>
         </p:txBody>
       </p:sp>
@@ -321,10 +313,9 @@
           </a:lstStyle>
           <a:p>
             <a:r>
-              <a:rPr lang="en-US" smtClean="0"/>
+              <a:rPr lang="en-US"/>
               <a:t>Click to edit Master subtitle style</a:t>
             </a:r>
-            <a:endParaRPr lang="en-US"/>
           </a:p>
         </p:txBody>
       </p:sp>
@@ -345,6 +336,7 @@
           <a:p>
             <a:fld id="{1D8BD707-D9CF-40AE-B4C6-C98DA3205C09}" type="datetimeFigureOut">
               <a:rPr lang="en-US" smtClean="0"/>
+              <a:t>5/28/2025</a:t>
             </a:fld>
             <a:endParaRPr lang="en-US"/>
           </a:p>
@@ -386,6 +378,7 @@
           <a:p>
             <a:fld id="{B6F15528-21DE-4FAA-801E-634DDDAF4B2B}" type="slidenum">
               <a:rPr lang="en-US" smtClean="0"/>
+              <a:t>‹Nº›</a:t>
             </a:fld>
             <a:endParaRPr lang="en-US"/>
           </a:p>
@@ -432,10 +425,9 @@
           <a:lstStyle/>
           <a:p>
             <a:r>
-              <a:rPr lang="en-US" smtClean="0"/>
+              <a:rPr lang="en-US"/>
               <a:t>Click to edit Master title style</a:t>
             </a:r>
-            <a:endParaRPr lang="en-US"/>
           </a:p>
         </p:txBody>
       </p:sp>
@@ -456,42 +448,37 @@
           <a:p>
             <a:pPr lvl="0"/>
             <a:r>
-              <a:rPr lang="en-US" smtClean="0"/>
+              <a:rPr lang="en-US"/>
               <a:t>Click to edit Master text styles</a:t>
             </a:r>
-            <a:endParaRPr lang="en-US" smtClean="0"/>
           </a:p>
           <a:p>
             <a:pPr lvl="1"/>
             <a:r>
-              <a:rPr lang="en-US" smtClean="0"/>
+              <a:rPr lang="en-US"/>
               <a:t>Second level</a:t>
             </a:r>
-            <a:endParaRPr lang="en-US" smtClean="0"/>
           </a:p>
           <a:p>
             <a:pPr lvl="2"/>
             <a:r>
-              <a:rPr lang="en-US" smtClean="0"/>
+              <a:rPr lang="en-US"/>
               <a:t>Third level</a:t>
             </a:r>
-            <a:endParaRPr lang="en-US" smtClean="0"/>
           </a:p>
           <a:p>
             <a:pPr lvl="3"/>
             <a:r>
-              <a:rPr lang="en-US" smtClean="0"/>
+              <a:rPr lang="en-US"/>
               <a:t>Fourth level</a:t>
             </a:r>
-            <a:endParaRPr lang="en-US" smtClean="0"/>
           </a:p>
           <a:p>
             <a:pPr lvl="4"/>
             <a:r>
-              <a:rPr lang="en-US" smtClean="0"/>
+              <a:rPr lang="en-US"/>
               <a:t>Fifth level</a:t>
             </a:r>
-            <a:endParaRPr lang="en-US"/>
           </a:p>
         </p:txBody>
       </p:sp>
@@ -512,6 +499,7 @@
           <a:p>
             <a:fld id="{1D8BD707-D9CF-40AE-B4C6-C98DA3205C09}" type="datetimeFigureOut">
               <a:rPr lang="en-US" smtClean="0"/>
+              <a:t>5/28/2025</a:t>
             </a:fld>
             <a:endParaRPr lang="en-US"/>
           </a:p>
@@ -553,6 +541,7 @@
           <a:p>
             <a:fld id="{B6F15528-21DE-4FAA-801E-634DDDAF4B2B}" type="slidenum">
               <a:rPr lang="en-US" smtClean="0"/>
+              <a:t>‹Nº›</a:t>
             </a:fld>
             <a:endParaRPr lang="en-US"/>
           </a:p>
@@ -604,10 +593,9 @@
           <a:lstStyle/>
           <a:p>
             <a:r>
-              <a:rPr lang="en-US" smtClean="0"/>
+              <a:rPr lang="en-US"/>
               <a:t>Click to edit Master title style</a:t>
             </a:r>
-            <a:endParaRPr lang="en-US"/>
           </a:p>
         </p:txBody>
       </p:sp>
@@ -633,42 +621,37 @@
           <a:p>
             <a:pPr lvl="0"/>
             <a:r>
-              <a:rPr lang="en-US" smtClean="0"/>
+              <a:rPr lang="en-US"/>
               <a:t>Click to edit Master text styles</a:t>
             </a:r>
-            <a:endParaRPr lang="en-US" smtClean="0"/>
           </a:p>
           <a:p>
             <a:pPr lvl="1"/>
             <a:r>
-              <a:rPr lang="en-US" smtClean="0"/>
+              <a:rPr lang="en-US"/>
               <a:t>Second level</a:t>
             </a:r>
-            <a:endParaRPr lang="en-US" smtClean="0"/>
           </a:p>
           <a:p>
             <a:pPr lvl="2"/>
             <a:r>
-              <a:rPr lang="en-US" smtClean="0"/>
+              <a:rPr lang="en-US"/>
               <a:t>Third level</a:t>
             </a:r>
-            <a:endParaRPr lang="en-US" smtClean="0"/>
           </a:p>
           <a:p>
             <a:pPr lvl="3"/>
             <a:r>
-              <a:rPr lang="en-US" smtClean="0"/>
+              <a:rPr lang="en-US"/>
               <a:t>Fourth level</a:t>
             </a:r>
-            <a:endParaRPr lang="en-US" smtClean="0"/>
           </a:p>
           <a:p>
             <a:pPr lvl="4"/>
             <a:r>
-              <a:rPr lang="en-US" smtClean="0"/>
+              <a:rPr lang="en-US"/>
               <a:t>Fifth level</a:t>
             </a:r>
-            <a:endParaRPr lang="en-US"/>
           </a:p>
         </p:txBody>
       </p:sp>
@@ -689,6 +672,7 @@
           <a:p>
             <a:fld id="{1D8BD707-D9CF-40AE-B4C6-C98DA3205C09}" type="datetimeFigureOut">
               <a:rPr lang="en-US" smtClean="0"/>
+              <a:t>5/28/2025</a:t>
             </a:fld>
             <a:endParaRPr lang="en-US"/>
           </a:p>
@@ -730,6 +714,7 @@
           <a:p>
             <a:fld id="{B6F15528-21DE-4FAA-801E-634DDDAF4B2B}" type="slidenum">
               <a:rPr lang="en-US" smtClean="0"/>
+              <a:t>‹Nº›</a:t>
             </a:fld>
             <a:endParaRPr lang="en-US"/>
           </a:p>
@@ -776,10 +761,9 @@
           <a:lstStyle/>
           <a:p>
             <a:r>
-              <a:rPr lang="en-US" smtClean="0"/>
+              <a:rPr lang="en-US"/>
               <a:t>Click to edit Master title style</a:t>
             </a:r>
-            <a:endParaRPr lang="en-US"/>
           </a:p>
         </p:txBody>
       </p:sp>
@@ -800,42 +784,37 @@
           <a:p>
             <a:pPr lvl="0"/>
             <a:r>
-              <a:rPr lang="en-US" smtClean="0"/>
+              <a:rPr lang="en-US"/>
               <a:t>Click to edit Master text styles</a:t>
             </a:r>
-            <a:endParaRPr lang="en-US" smtClean="0"/>
           </a:p>
           <a:p>
             <a:pPr lvl="1"/>
             <a:r>
-              <a:rPr lang="en-US" smtClean="0"/>
+              <a:rPr lang="en-US"/>
               <a:t>Second level</a:t>
             </a:r>
-            <a:endParaRPr lang="en-US" smtClean="0"/>
           </a:p>
           <a:p>
             <a:pPr lvl="2"/>
             <a:r>
-              <a:rPr lang="en-US" smtClean="0"/>
+              <a:rPr lang="en-US"/>
               <a:t>Third level</a:t>
             </a:r>
-            <a:endParaRPr lang="en-US" smtClean="0"/>
           </a:p>
           <a:p>
             <a:pPr lvl="3"/>
             <a:r>
-              <a:rPr lang="en-US" smtClean="0"/>
+              <a:rPr lang="en-US"/>
               <a:t>Fourth level</a:t>
             </a:r>
-            <a:endParaRPr lang="en-US" smtClean="0"/>
           </a:p>
           <a:p>
             <a:pPr lvl="4"/>
             <a:r>
-              <a:rPr lang="en-US" smtClean="0"/>
+              <a:rPr lang="en-US"/>
               <a:t>Fifth level</a:t>
             </a:r>
-            <a:endParaRPr lang="en-US"/>
           </a:p>
         </p:txBody>
       </p:sp>
@@ -856,6 +835,7 @@
           <a:p>
             <a:fld id="{1D8BD707-D9CF-40AE-B4C6-C98DA3205C09}" type="datetimeFigureOut">
               <a:rPr lang="en-US" smtClean="0"/>
+              <a:t>5/28/2025</a:t>
             </a:fld>
             <a:endParaRPr lang="en-US"/>
           </a:p>
@@ -897,6 +877,7 @@
           <a:p>
             <a:fld id="{B6F15528-21DE-4FAA-801E-634DDDAF4B2B}" type="slidenum">
               <a:rPr lang="en-US" smtClean="0"/>
+              <a:t>‹Nº›</a:t>
             </a:fld>
             <a:endParaRPr lang="en-US"/>
           </a:p>
@@ -952,10 +933,9 @@
           </a:lstStyle>
           <a:p>
             <a:r>
-              <a:rPr lang="en-US" smtClean="0"/>
+              <a:rPr lang="en-US"/>
               <a:t>Click to edit Master title style</a:t>
             </a:r>
-            <a:endParaRPr lang="en-US"/>
           </a:p>
         </p:txBody>
       </p:sp>
@@ -1072,10 +1052,9 @@
           <a:p>
             <a:pPr lvl="0"/>
             <a:r>
-              <a:rPr lang="en-US" smtClean="0"/>
+              <a:rPr lang="en-US"/>
               <a:t>Click to edit Master text styles</a:t>
             </a:r>
-            <a:endParaRPr lang="en-US" smtClean="0"/>
           </a:p>
         </p:txBody>
       </p:sp>
@@ -1096,6 +1075,7 @@
           <a:p>
             <a:fld id="{1D8BD707-D9CF-40AE-B4C6-C98DA3205C09}" type="datetimeFigureOut">
               <a:rPr lang="en-US" smtClean="0"/>
+              <a:t>5/28/2025</a:t>
             </a:fld>
             <a:endParaRPr lang="en-US"/>
           </a:p>
@@ -1137,6 +1117,7 @@
           <a:p>
             <a:fld id="{B6F15528-21DE-4FAA-801E-634DDDAF4B2B}" type="slidenum">
               <a:rPr lang="en-US" smtClean="0"/>
+              <a:t>‹Nº›</a:t>
             </a:fld>
             <a:endParaRPr lang="en-US"/>
           </a:p>
@@ -1183,10 +1164,9 @@
           <a:lstStyle/>
           <a:p>
             <a:r>
-              <a:rPr lang="en-US" smtClean="0"/>
+              <a:rPr lang="en-US"/>
               <a:t>Click to edit Master title style</a:t>
             </a:r>
-            <a:endParaRPr lang="en-US"/>
           </a:p>
         </p:txBody>
       </p:sp>
@@ -1240,42 +1220,37 @@
           <a:p>
             <a:pPr lvl="0"/>
             <a:r>
-              <a:rPr lang="en-US" smtClean="0"/>
+              <a:rPr lang="en-US"/>
               <a:t>Click to edit Master text styles</a:t>
             </a:r>
-            <a:endParaRPr lang="en-US" smtClean="0"/>
           </a:p>
           <a:p>
             <a:pPr lvl="1"/>
             <a:r>
-              <a:rPr lang="en-US" smtClean="0"/>
+              <a:rPr lang="en-US"/>
               <a:t>Second level</a:t>
             </a:r>
-            <a:endParaRPr lang="en-US" smtClean="0"/>
           </a:p>
           <a:p>
             <a:pPr lvl="2"/>
             <a:r>
-              <a:rPr lang="en-US" smtClean="0"/>
+              <a:rPr lang="en-US"/>
               <a:t>Third level</a:t>
             </a:r>
-            <a:endParaRPr lang="en-US" smtClean="0"/>
           </a:p>
           <a:p>
             <a:pPr lvl="3"/>
             <a:r>
-              <a:rPr lang="en-US" smtClean="0"/>
+              <a:rPr lang="en-US"/>
               <a:t>Fourth level</a:t>
             </a:r>
-            <a:endParaRPr lang="en-US" smtClean="0"/>
           </a:p>
           <a:p>
             <a:pPr lvl="4"/>
             <a:r>
-              <a:rPr lang="en-US" smtClean="0"/>
+              <a:rPr lang="en-US"/>
               <a:t>Fifth level</a:t>
             </a:r>
-            <a:endParaRPr lang="en-US"/>
           </a:p>
         </p:txBody>
       </p:sp>
@@ -1329,42 +1304,37 @@
           <a:p>
             <a:pPr lvl="0"/>
             <a:r>
-              <a:rPr lang="en-US" smtClean="0"/>
+              <a:rPr lang="en-US"/>
               <a:t>Click to edit Master text styles</a:t>
             </a:r>
-            <a:endParaRPr lang="en-US" smtClean="0"/>
           </a:p>
           <a:p>
             <a:pPr lvl="1"/>
             <a:r>
-              <a:rPr lang="en-US" smtClean="0"/>
+              <a:rPr lang="en-US"/>
               <a:t>Second level</a:t>
             </a:r>
-            <a:endParaRPr lang="en-US" smtClean="0"/>
           </a:p>
           <a:p>
             <a:pPr lvl="2"/>
             <a:r>
-              <a:rPr lang="en-US" smtClean="0"/>
+              <a:rPr lang="en-US"/>
               <a:t>Third level</a:t>
             </a:r>
-            <a:endParaRPr lang="en-US" smtClean="0"/>
           </a:p>
           <a:p>
             <a:pPr lvl="3"/>
             <a:r>
-              <a:rPr lang="en-US" smtClean="0"/>
+              <a:rPr lang="en-US"/>
               <a:t>Fourth level</a:t>
             </a:r>
-            <a:endParaRPr lang="en-US" smtClean="0"/>
           </a:p>
           <a:p>
             <a:pPr lvl="4"/>
             <a:r>
-              <a:rPr lang="en-US" smtClean="0"/>
+              <a:rPr lang="en-US"/>
               <a:t>Fifth level</a:t>
             </a:r>
-            <a:endParaRPr lang="en-US"/>
           </a:p>
         </p:txBody>
       </p:sp>
@@ -1385,6 +1355,7 @@
           <a:p>
             <a:fld id="{1D8BD707-D9CF-40AE-B4C6-C98DA3205C09}" type="datetimeFigureOut">
               <a:rPr lang="en-US" smtClean="0"/>
+              <a:t>5/28/2025</a:t>
             </a:fld>
             <a:endParaRPr lang="en-US"/>
           </a:p>
@@ -1426,6 +1397,7 @@
           <a:p>
             <a:fld id="{B6F15528-21DE-4FAA-801E-634DDDAF4B2B}" type="slidenum">
               <a:rPr lang="en-US" smtClean="0"/>
+              <a:t>‹Nº›</a:t>
             </a:fld>
             <a:endParaRPr lang="en-US"/>
           </a:p>
@@ -1476,10 +1448,9 @@
           </a:lstStyle>
           <a:p>
             <a:r>
-              <a:rPr lang="en-US" smtClean="0"/>
+              <a:rPr lang="en-US"/>
               <a:t>Click to edit Master title style</a:t>
             </a:r>
-            <a:endParaRPr lang="en-US"/>
           </a:p>
         </p:txBody>
       </p:sp>
@@ -1542,10 +1513,9 @@
           <a:p>
             <a:pPr lvl="0"/>
             <a:r>
-              <a:rPr lang="en-US" smtClean="0"/>
+              <a:rPr lang="en-US"/>
               <a:t>Click to edit Master text styles</a:t>
             </a:r>
-            <a:endParaRPr lang="en-US" smtClean="0"/>
           </a:p>
         </p:txBody>
       </p:sp>
@@ -1599,42 +1569,37 @@
           <a:p>
             <a:pPr lvl="0"/>
             <a:r>
-              <a:rPr lang="en-US" smtClean="0"/>
+              <a:rPr lang="en-US"/>
               <a:t>Click to edit Master text styles</a:t>
             </a:r>
-            <a:endParaRPr lang="en-US" smtClean="0"/>
           </a:p>
           <a:p>
             <a:pPr lvl="1"/>
             <a:r>
-              <a:rPr lang="en-US" smtClean="0"/>
+              <a:rPr lang="en-US"/>
               <a:t>Second level</a:t>
             </a:r>
-            <a:endParaRPr lang="en-US" smtClean="0"/>
           </a:p>
           <a:p>
             <a:pPr lvl="2"/>
             <a:r>
-              <a:rPr lang="en-US" smtClean="0"/>
+              <a:rPr lang="en-US"/>
               <a:t>Third level</a:t>
             </a:r>
-            <a:endParaRPr lang="en-US" smtClean="0"/>
           </a:p>
           <a:p>
             <a:pPr lvl="3"/>
             <a:r>
-              <a:rPr lang="en-US" smtClean="0"/>
+              <a:rPr lang="en-US"/>
               <a:t>Fourth level</a:t>
             </a:r>
-            <a:endParaRPr lang="en-US" smtClean="0"/>
           </a:p>
           <a:p>
             <a:pPr lvl="4"/>
             <a:r>
-              <a:rPr lang="en-US" smtClean="0"/>
+              <a:rPr lang="en-US"/>
               <a:t>Fifth level</a:t>
             </a:r>
-            <a:endParaRPr lang="en-US"/>
           </a:p>
         </p:txBody>
       </p:sp>
@@ -1697,10 +1662,9 @@
           <a:p>
             <a:pPr lvl="0"/>
             <a:r>
-              <a:rPr lang="en-US" smtClean="0"/>
+              <a:rPr lang="en-US"/>
               <a:t>Click to edit Master text styles</a:t>
             </a:r>
-            <a:endParaRPr lang="en-US" smtClean="0"/>
           </a:p>
         </p:txBody>
       </p:sp>
@@ -1754,42 +1718,37 @@
           <a:p>
             <a:pPr lvl="0"/>
             <a:r>
-              <a:rPr lang="en-US" smtClean="0"/>
+              <a:rPr lang="en-US"/>
               <a:t>Click to edit Master text styles</a:t>
             </a:r>
-            <a:endParaRPr lang="en-US" smtClean="0"/>
           </a:p>
           <a:p>
             <a:pPr lvl="1"/>
             <a:r>
-              <a:rPr lang="en-US" smtClean="0"/>
+              <a:rPr lang="en-US"/>
               <a:t>Second level</a:t>
             </a:r>
-            <a:endParaRPr lang="en-US" smtClean="0"/>
           </a:p>
           <a:p>
             <a:pPr lvl="2"/>
             <a:r>
-              <a:rPr lang="en-US" smtClean="0"/>
+              <a:rPr lang="en-US"/>
               <a:t>Third level</a:t>
             </a:r>
-            <a:endParaRPr lang="en-US" smtClean="0"/>
           </a:p>
           <a:p>
             <a:pPr lvl="3"/>
             <a:r>
-              <a:rPr lang="en-US" smtClean="0"/>
+              <a:rPr lang="en-US"/>
               <a:t>Fourth level</a:t>
             </a:r>
-            <a:endParaRPr lang="en-US" smtClean="0"/>
           </a:p>
           <a:p>
             <a:pPr lvl="4"/>
             <a:r>
-              <a:rPr lang="en-US" smtClean="0"/>
+              <a:rPr lang="en-US"/>
               <a:t>Fifth level</a:t>
             </a:r>
-            <a:endParaRPr lang="en-US"/>
           </a:p>
         </p:txBody>
       </p:sp>
@@ -1810,6 +1769,7 @@
           <a:p>
             <a:fld id="{1D8BD707-D9CF-40AE-B4C6-C98DA3205C09}" type="datetimeFigureOut">
               <a:rPr lang="en-US" smtClean="0"/>
+              <a:t>5/28/2025</a:t>
             </a:fld>
             <a:endParaRPr lang="en-US"/>
           </a:p>
@@ -1851,6 +1811,7 @@
           <a:p>
             <a:fld id="{B6F15528-21DE-4FAA-801E-634DDDAF4B2B}" type="slidenum">
               <a:rPr lang="en-US" smtClean="0"/>
+              <a:t>‹Nº›</a:t>
             </a:fld>
             <a:endParaRPr lang="en-US"/>
           </a:p>
@@ -1897,10 +1858,9 @@
           <a:lstStyle/>
           <a:p>
             <a:r>
-              <a:rPr lang="en-US" smtClean="0"/>
+              <a:rPr lang="en-US"/>
               <a:t>Click to edit Master title style</a:t>
             </a:r>
-            <a:endParaRPr lang="en-US"/>
           </a:p>
         </p:txBody>
       </p:sp>
@@ -1921,6 +1881,7 @@
           <a:p>
             <a:fld id="{1D8BD707-D9CF-40AE-B4C6-C98DA3205C09}" type="datetimeFigureOut">
               <a:rPr lang="en-US" smtClean="0"/>
+              <a:t>5/28/2025</a:t>
             </a:fld>
             <a:endParaRPr lang="en-US"/>
           </a:p>
@@ -1962,6 +1923,7 @@
           <a:p>
             <a:fld id="{B6F15528-21DE-4FAA-801E-634DDDAF4B2B}" type="slidenum">
               <a:rPr lang="en-US" smtClean="0"/>
+              <a:t>‹Nº›</a:t>
             </a:fld>
             <a:endParaRPr lang="en-US"/>
           </a:p>
@@ -2009,6 +1971,7 @@
           <a:p>
             <a:fld id="{1D8BD707-D9CF-40AE-B4C6-C98DA3205C09}" type="datetimeFigureOut">
               <a:rPr lang="en-US" smtClean="0"/>
+              <a:t>5/28/2025</a:t>
             </a:fld>
             <a:endParaRPr lang="en-US"/>
           </a:p>
@@ -2050,6 +2013,7 @@
           <a:p>
             <a:fld id="{B6F15528-21DE-4FAA-801E-634DDDAF4B2B}" type="slidenum">
               <a:rPr lang="en-US" smtClean="0"/>
+              <a:t>‹Nº›</a:t>
             </a:fld>
             <a:endParaRPr lang="en-US"/>
           </a:p>
@@ -2105,10 +2069,9 @@
           </a:lstStyle>
           <a:p>
             <a:r>
-              <a:rPr lang="en-US" smtClean="0"/>
+              <a:rPr lang="en-US"/>
               <a:t>Click to edit Master title style</a:t>
             </a:r>
-            <a:endParaRPr lang="en-US"/>
           </a:p>
         </p:txBody>
       </p:sp>
@@ -2162,42 +2125,37 @@
           <a:p>
             <a:pPr lvl="0"/>
             <a:r>
-              <a:rPr lang="en-US" smtClean="0"/>
+              <a:rPr lang="en-US"/>
               <a:t>Click to edit Master text styles</a:t>
             </a:r>
-            <a:endParaRPr lang="en-US" smtClean="0"/>
           </a:p>
           <a:p>
             <a:pPr lvl="1"/>
             <a:r>
-              <a:rPr lang="en-US" smtClean="0"/>
+              <a:rPr lang="en-US"/>
               <a:t>Second level</a:t>
             </a:r>
-            <a:endParaRPr lang="en-US" smtClean="0"/>
           </a:p>
           <a:p>
             <a:pPr lvl="2"/>
             <a:r>
-              <a:rPr lang="en-US" smtClean="0"/>
+              <a:rPr lang="en-US"/>
               <a:t>Third level</a:t>
             </a:r>
-            <a:endParaRPr lang="en-US" smtClean="0"/>
           </a:p>
           <a:p>
             <a:pPr lvl="3"/>
             <a:r>
-              <a:rPr lang="en-US" smtClean="0"/>
+              <a:rPr lang="en-US"/>
               <a:t>Fourth level</a:t>
             </a:r>
-            <a:endParaRPr lang="en-US" smtClean="0"/>
           </a:p>
           <a:p>
             <a:pPr lvl="4"/>
             <a:r>
-              <a:rPr lang="en-US" smtClean="0"/>
+              <a:rPr lang="en-US"/>
               <a:t>Fifth level</a:t>
             </a:r>
-            <a:endParaRPr lang="en-US"/>
           </a:p>
         </p:txBody>
       </p:sp>
@@ -2260,10 +2218,9 @@
           <a:p>
             <a:pPr lvl="0"/>
             <a:r>
-              <a:rPr lang="en-US" smtClean="0"/>
+              <a:rPr lang="en-US"/>
               <a:t>Click to edit Master text styles</a:t>
             </a:r>
-            <a:endParaRPr lang="en-US" smtClean="0"/>
           </a:p>
         </p:txBody>
       </p:sp>
@@ -2284,6 +2241,7 @@
           <a:p>
             <a:fld id="{1D8BD707-D9CF-40AE-B4C6-C98DA3205C09}" type="datetimeFigureOut">
               <a:rPr lang="en-US" smtClean="0"/>
+              <a:t>5/28/2025</a:t>
             </a:fld>
             <a:endParaRPr lang="en-US"/>
           </a:p>
@@ -2325,6 +2283,7 @@
           <a:p>
             <a:fld id="{B6F15528-21DE-4FAA-801E-634DDDAF4B2B}" type="slidenum">
               <a:rPr lang="en-US" smtClean="0"/>
+              <a:t>‹Nº›</a:t>
             </a:fld>
             <a:endParaRPr lang="en-US"/>
           </a:p>
@@ -2380,10 +2339,9 @@
           </a:lstStyle>
           <a:p>
             <a:r>
-              <a:rPr lang="en-US" smtClean="0"/>
+              <a:rPr lang="en-US"/>
               <a:t>Click to edit Master title style</a:t>
             </a:r>
-            <a:endParaRPr lang="en-US"/>
           </a:p>
         </p:txBody>
       </p:sp>
@@ -2507,10 +2465,9 @@
           <a:p>
             <a:pPr lvl="0"/>
             <a:r>
-              <a:rPr lang="en-US" smtClean="0"/>
+              <a:rPr lang="en-US"/>
               <a:t>Click to edit Master text styles</a:t>
             </a:r>
-            <a:endParaRPr lang="en-US" smtClean="0"/>
           </a:p>
         </p:txBody>
       </p:sp>
@@ -2531,6 +2488,7 @@
           <a:p>
             <a:fld id="{1D8BD707-D9CF-40AE-B4C6-C98DA3205C09}" type="datetimeFigureOut">
               <a:rPr lang="en-US" smtClean="0"/>
+              <a:t>5/28/2025</a:t>
             </a:fld>
             <a:endParaRPr lang="en-US"/>
           </a:p>
@@ -2572,6 +2530,7 @@
           <a:p>
             <a:fld id="{B6F15528-21DE-4FAA-801E-634DDDAF4B2B}" type="slidenum">
               <a:rPr lang="en-US" smtClean="0"/>
+              <a:t>‹Nº›</a:t>
             </a:fld>
             <a:endParaRPr lang="en-US"/>
           </a:p>
@@ -2633,10 +2592,9 @@
           <a:lstStyle/>
           <a:p>
             <a:r>
-              <a:rPr lang="en-US" smtClean="0"/>
+              <a:rPr lang="en-US"/>
               <a:t>Click to edit Master title style</a:t>
             </a:r>
-            <a:endParaRPr lang="en-US"/>
           </a:p>
         </p:txBody>
       </p:sp>
@@ -2667,42 +2625,37 @@
           <a:p>
             <a:pPr lvl="0"/>
             <a:r>
-              <a:rPr lang="en-US" smtClean="0"/>
+              <a:rPr lang="en-US"/>
               <a:t>Click to edit Master text styles</a:t>
             </a:r>
-            <a:endParaRPr lang="en-US" smtClean="0"/>
           </a:p>
           <a:p>
             <a:pPr lvl="1"/>
             <a:r>
-              <a:rPr lang="en-US" smtClean="0"/>
+              <a:rPr lang="en-US"/>
               <a:t>Second level</a:t>
             </a:r>
-            <a:endParaRPr lang="en-US" smtClean="0"/>
           </a:p>
           <a:p>
             <a:pPr lvl="2"/>
             <a:r>
-              <a:rPr lang="en-US" smtClean="0"/>
+              <a:rPr lang="en-US"/>
               <a:t>Third level</a:t>
             </a:r>
-            <a:endParaRPr lang="en-US" smtClean="0"/>
           </a:p>
           <a:p>
             <a:pPr lvl="3"/>
             <a:r>
-              <a:rPr lang="en-US" smtClean="0"/>
+              <a:rPr lang="en-US"/>
               <a:t>Fourth level</a:t>
             </a:r>
-            <a:endParaRPr lang="en-US" smtClean="0"/>
           </a:p>
           <a:p>
             <a:pPr lvl="4"/>
             <a:r>
-              <a:rPr lang="en-US" smtClean="0"/>
+              <a:rPr lang="en-US"/>
               <a:t>Fifth level</a:t>
             </a:r>
-            <a:endParaRPr lang="en-US"/>
           </a:p>
         </p:txBody>
       </p:sp>
@@ -2741,6 +2694,7 @@
           <a:p>
             <a:fld id="{1D8BD707-D9CF-40AE-B4C6-C98DA3205C09}" type="datetimeFigureOut">
               <a:rPr lang="en-US" smtClean="0"/>
+              <a:t>5/28/2025</a:t>
             </a:fld>
             <a:endParaRPr lang="en-US"/>
           </a:p>
@@ -2818,6 +2772,7 @@
           <a:p>
             <a:fld id="{B6F15528-21DE-4FAA-801E-634DDDAF4B2B}" type="slidenum">
               <a:rPr lang="en-US" smtClean="0"/>
+              <a:t>‹Nº›</a:t>
             </a:fld>
             <a:endParaRPr lang="en-US"/>
           </a:p>
@@ -3148,20 +3103,18 @@
                 <a:cs typeface="Glacial Indifference"/>
                 <a:sym typeface="Glacial Indifference"/>
               </a:rPr>
-              <a:t>P</a:t>
-            </a:r>
-            <a:r>
-              <a:rPr lang="en-US" sz="7020">
-                <a:solidFill>
-                  <a:srgbClr val="000000"/>
-                </a:solidFill>
-                <a:latin typeface="Glacial Indifference"/>
-                <a:ea typeface="Glacial Indifference"/>
-                <a:cs typeface="Glacial Indifference"/>
-                <a:sym typeface="Glacial Indifference"/>
-              </a:rPr>
-              <a:t>lataforma E-Commerce Multi-Tenant</a:t>
-            </a:r>
+              <a:t>Plataforma E-Commerce Multi-Tenant</a:t>
+            </a:r>
+          </a:p>
+          <a:p>
+            <a:pPr algn="ctr">
+              <a:lnSpc>
+                <a:spcPts val="9830"/>
+              </a:lnSpc>
+              <a:spcBef>
+                <a:spcPct val="0"/>
+              </a:spcBef>
+            </a:pPr>
             <a:endParaRPr lang="en-US" sz="7020">
               <a:solidFill>
                 <a:srgbClr val="000000"/>
@@ -3172,16 +3125,6 @@
               <a:sym typeface="Glacial Indifference"/>
             </a:endParaRPr>
           </a:p>
-          <a:p>
-            <a:pPr algn="ctr">
-              <a:lnSpc>
-                <a:spcPts val="9830"/>
-              </a:lnSpc>
-              <a:spcBef>
-                <a:spcPct val="0"/>
-              </a:spcBef>
-            </a:pPr>
-          </a:p>
         </p:txBody>
       </p:sp>
       <p:sp>
@@ -3224,17 +3167,6 @@
               </a:rPr>
               <a:t>Daniel Tamara Rivera</a:t>
             </a:r>
-            <a:endParaRPr lang="en-US" sz="3400">
-              <a:solidFill>
-                <a:srgbClr val="000000">
-                  <a:alpha val="36863"/>
-                </a:srgbClr>
-              </a:solidFill>
-              <a:latin typeface="Glacial Indifference"/>
-              <a:ea typeface="Glacial Indifference"/>
-              <a:cs typeface="Glacial Indifference"/>
-              <a:sym typeface="Glacial Indifference"/>
-            </a:endParaRPr>
           </a:p>
           <a:p>
             <a:pPr algn="ctr">
@@ -3256,17 +3188,6 @@
               </a:rPr>
               <a:t>David Alejandro Medina Ruiz</a:t>
             </a:r>
-            <a:endParaRPr lang="en-US" sz="3400">
-              <a:solidFill>
-                <a:srgbClr val="000000">
-                  <a:alpha val="36863"/>
-                </a:srgbClr>
-              </a:solidFill>
-              <a:latin typeface="Glacial Indifference"/>
-              <a:ea typeface="Glacial Indifference"/>
-              <a:cs typeface="Glacial Indifference"/>
-              <a:sym typeface="Glacial Indifference"/>
-            </a:endParaRPr>
           </a:p>
           <a:p>
             <a:pPr algn="ctr">
@@ -3288,17 +3209,6 @@
               </a:rPr>
               <a:t>Samuel Santiago Falla Alfaro</a:t>
             </a:r>
-            <a:endParaRPr lang="en-US" sz="3400">
-              <a:solidFill>
-                <a:srgbClr val="000000">
-                  <a:alpha val="36863"/>
-                </a:srgbClr>
-              </a:solidFill>
-              <a:latin typeface="Glacial Indifference"/>
-              <a:ea typeface="Glacial Indifference"/>
-              <a:cs typeface="Glacial Indifference"/>
-              <a:sym typeface="Glacial Indifference"/>
-            </a:endParaRPr>
           </a:p>
         </p:txBody>
       </p:sp>
@@ -3342,17 +3252,6 @@
               </a:rPr>
               <a:t>2025-05-28</a:t>
             </a:r>
-            <a:endParaRPr lang="en-US" sz="3400">
-              <a:solidFill>
-                <a:srgbClr val="000000">
-                  <a:alpha val="36863"/>
-                </a:srgbClr>
-              </a:solidFill>
-              <a:latin typeface="Glacial Indifference"/>
-              <a:ea typeface="Glacial Indifference"/>
-              <a:cs typeface="Glacial Indifference"/>
-              <a:sym typeface="Glacial Indifference"/>
-            </a:endParaRPr>
           </a:p>
         </p:txBody>
       </p:sp>
@@ -3397,15 +3296,6 @@
               </a:rPr>
               <a:t>Buyee</a:t>
             </a:r>
-            <a:endParaRPr lang="en-US" sz="8500" b="1">
-              <a:solidFill>
-                <a:srgbClr val="000000"/>
-              </a:solidFill>
-              <a:latin typeface="Glacial Indifference Bold" panose="00000800000000000000"/>
-              <a:ea typeface="Glacial Indifference Bold" panose="00000800000000000000"/>
-              <a:cs typeface="Glacial Indifference Bold" panose="00000800000000000000"/>
-              <a:sym typeface="Glacial Indifference Bold" panose="00000800000000000000"/>
-            </a:endParaRPr>
           </a:p>
         </p:txBody>
       </p:sp>
@@ -3473,7 +3363,7 @@
             </a:pathLst>
           </a:custGeom>
           <a:blipFill>
-            <a:blip r:embed="rId1"/>
+            <a:blip r:embed="rId2"/>
             <a:stretch>
               <a:fillRect/>
             </a:stretch>
@@ -3521,15 +3411,6 @@
               </a:rPr>
               <a:t>Requerimientos No Funcionales</a:t>
             </a:r>
-            <a:endParaRPr lang="en-US" sz="6500" b="1">
-              <a:solidFill>
-                <a:srgbClr val="000000"/>
-              </a:solidFill>
-              <a:latin typeface="Glacial Indifference Bold" panose="00000800000000000000"/>
-              <a:ea typeface="Glacial Indifference Bold" panose="00000800000000000000"/>
-              <a:cs typeface="Glacial Indifference Bold" panose="00000800000000000000"/>
-              <a:sym typeface="Glacial Indifference Bold" panose="00000800000000000000"/>
-            </a:endParaRPr>
           </a:p>
         </p:txBody>
       </p:sp>
@@ -3597,7 +3478,7 @@
             </a:pathLst>
           </a:custGeom>
           <a:blipFill>
-            <a:blip r:embed="rId1"/>
+            <a:blip r:embed="rId2"/>
             <a:stretch>
               <a:fillRect l="-302" t="-1729" r="-346" b="-1729"/>
             </a:stretch>
@@ -3645,15 +3526,6 @@
               </a:rPr>
               <a:t>Atributos de Calidad</a:t>
             </a:r>
-            <a:endParaRPr lang="en-US" sz="6500" b="1">
-              <a:solidFill>
-                <a:srgbClr val="000000"/>
-              </a:solidFill>
-              <a:latin typeface="Glacial Indifference Bold" panose="00000800000000000000"/>
-              <a:ea typeface="Glacial Indifference Bold" panose="00000800000000000000"/>
-              <a:cs typeface="Glacial Indifference Bold" panose="00000800000000000000"/>
-              <a:sym typeface="Glacial Indifference Bold" panose="00000800000000000000"/>
-            </a:endParaRPr>
           </a:p>
         </p:txBody>
       </p:sp>
@@ -3721,7 +3593,7 @@
             </a:pathLst>
           </a:custGeom>
           <a:blipFill>
-            <a:blip r:embed="rId1"/>
+            <a:blip r:embed="rId2"/>
             <a:stretch>
               <a:fillRect l="-415" t="-518" r="-369" b="-259"/>
             </a:stretch>
@@ -3769,15 +3641,6 @@
               </a:rPr>
               <a:t>Ponderación</a:t>
             </a:r>
-            <a:endParaRPr lang="en-US" sz="6500" b="1">
-              <a:solidFill>
-                <a:srgbClr val="000000"/>
-              </a:solidFill>
-              <a:latin typeface="Glacial Indifference Bold" panose="00000800000000000000"/>
-              <a:ea typeface="Glacial Indifference Bold" panose="00000800000000000000"/>
-              <a:cs typeface="Glacial Indifference Bold" panose="00000800000000000000"/>
-              <a:sym typeface="Glacial Indifference Bold" panose="00000800000000000000"/>
-            </a:endParaRPr>
           </a:p>
         </p:txBody>
       </p:sp>
@@ -3788,7 +3651,7 @@
           <p:nvPr/>
         </p:nvGrpSpPr>
         <p:grpSpPr>
-          <a:xfrm rot="0">
+          <a:xfrm>
             <a:off x="7694193" y="2652419"/>
             <a:ext cx="203203" cy="366798"/>
             <a:chOff x="0" y="0"/>
@@ -3874,15 +3737,6 @@
                 </a:rPr>
                 <a:t>&gt;</a:t>
               </a:r>
-              <a:endParaRPr lang="en-US" sz="1400">
-                <a:solidFill>
-                  <a:srgbClr val="000000"/>
-                </a:solidFill>
-                <a:latin typeface="Open Sans" panose="020B0606030504020204"/>
-                <a:ea typeface="Open Sans" panose="020B0606030504020204"/>
-                <a:cs typeface="Open Sans" panose="020B0606030504020204"/>
-                <a:sym typeface="Open Sans" panose="020B0606030504020204"/>
-              </a:endParaRPr>
             </a:p>
           </p:txBody>
         </p:sp>
@@ -3951,7 +3805,7 @@
             </a:pathLst>
           </a:custGeom>
           <a:blipFill>
-            <a:blip r:embed="rId1"/>
+            <a:blip r:embed="rId2"/>
             <a:stretch>
               <a:fillRect l="-1037" t="-1969" r="-345"/>
             </a:stretch>
@@ -3999,15 +3853,6 @@
               </a:rPr>
               <a:t>Drivers Arquitectónicos</a:t>
             </a:r>
-            <a:endParaRPr lang="en-US" sz="6500" b="1">
-              <a:solidFill>
-                <a:srgbClr val="000000"/>
-              </a:solidFill>
-              <a:latin typeface="Glacial Indifference Bold" panose="00000800000000000000"/>
-              <a:ea typeface="Glacial Indifference Bold" panose="00000800000000000000"/>
-              <a:cs typeface="Glacial Indifference Bold" panose="00000800000000000000"/>
-              <a:sym typeface="Glacial Indifference Bold" panose="00000800000000000000"/>
-            </a:endParaRPr>
           </a:p>
         </p:txBody>
       </p:sp>
@@ -4077,15 +3922,6 @@
               </a:rPr>
               <a:t>Tácticas</a:t>
             </a:r>
-            <a:endParaRPr lang="en-US" sz="6500" b="1">
-              <a:solidFill>
-                <a:srgbClr val="000000"/>
-              </a:solidFill>
-              <a:latin typeface="Glacial Indifference Bold" panose="00000800000000000000"/>
-              <a:ea typeface="Glacial Indifference Bold" panose="00000800000000000000"/>
-              <a:cs typeface="Glacial Indifference Bold" panose="00000800000000000000"/>
-              <a:sym typeface="Glacial Indifference Bold" panose="00000800000000000000"/>
-            </a:endParaRPr>
           </a:p>
         </p:txBody>
       </p:sp>
@@ -4128,15 +3964,6 @@
               </a:rPr>
               <a:t>Fiabilidad</a:t>
             </a:r>
-            <a:endParaRPr lang="en-US" sz="3100">
-              <a:solidFill>
-                <a:srgbClr val="000000"/>
-              </a:solidFill>
-              <a:latin typeface="Glacial Indifference"/>
-              <a:ea typeface="Glacial Indifference"/>
-              <a:cs typeface="Glacial Indifference"/>
-              <a:sym typeface="Glacial Indifference"/>
-            </a:endParaRPr>
           </a:p>
           <a:p>
             <a:pPr marL="1338580" lvl="2" indent="-446405" algn="l">
@@ -4169,15 +3996,6 @@
               </a:rPr>
               <a:t> Patrón Circuit Breaker, acompañado de retry y fallback.</a:t>
             </a:r>
-            <a:endParaRPr lang="en-US" sz="3100" i="1">
-              <a:solidFill>
-                <a:srgbClr val="000000"/>
-              </a:solidFill>
-              <a:latin typeface="Glacial Indifference Italics"/>
-              <a:ea typeface="Glacial Indifference Italics"/>
-              <a:cs typeface="Glacial Indifference Italics"/>
-              <a:sym typeface="Glacial Indifference Italics"/>
-            </a:endParaRPr>
           </a:p>
           <a:p>
             <a:pPr marL="1338580" lvl="2" indent="-446405" algn="l">
@@ -4222,15 +4040,6 @@
               </a:rPr>
               <a:t>Incluye backups automáticos programados e implementar Point-in-Time Recovery (PITR) para bases de datos.</a:t>
             </a:r>
-            <a:endParaRPr lang="en-US" sz="3100" i="1">
-              <a:solidFill>
-                <a:srgbClr val="000000"/>
-              </a:solidFill>
-              <a:latin typeface="Glacial Indifference Italics"/>
-              <a:ea typeface="Glacial Indifference Italics"/>
-              <a:cs typeface="Glacial Indifference Italics"/>
-              <a:sym typeface="Glacial Indifference Italics"/>
-            </a:endParaRPr>
           </a:p>
           <a:p>
             <a:pPr marL="1338580" lvl="2" indent="-446405" algn="l">
@@ -4275,15 +4084,6 @@
               </a:rPr>
               <a:t>Prometheus y Grafana.</a:t>
             </a:r>
-            <a:endParaRPr lang="en-US" sz="3100" i="1">
-              <a:solidFill>
-                <a:srgbClr val="000000"/>
-              </a:solidFill>
-              <a:latin typeface="Glacial Indifference Italics"/>
-              <a:ea typeface="Glacial Indifference Italics"/>
-              <a:cs typeface="Glacial Indifference Italics"/>
-              <a:sym typeface="Glacial Indifference Italics"/>
-            </a:endParaRPr>
           </a:p>
           <a:p>
             <a:pPr marL="669290" lvl="1" indent="-334645" algn="l">
@@ -4304,15 +4104,6 @@
               </a:rPr>
               <a:t>Rendimiento</a:t>
             </a:r>
-            <a:endParaRPr lang="en-US" sz="3100">
-              <a:solidFill>
-                <a:srgbClr val="000000"/>
-              </a:solidFill>
-              <a:latin typeface="Glacial Indifference"/>
-              <a:ea typeface="Glacial Indifference"/>
-              <a:cs typeface="Glacial Indifference"/>
-              <a:sym typeface="Glacial Indifference"/>
-            </a:endParaRPr>
           </a:p>
           <a:p>
             <a:pPr marL="1338580" lvl="2" indent="-446405" algn="l">
@@ -4381,15 +4172,6 @@
               </a:rPr>
               <a:t>istema de Redis permitiendo almacenar y servir recursos estáticos.</a:t>
             </a:r>
-            <a:endParaRPr lang="en-US" sz="3100" i="1">
-              <a:solidFill>
-                <a:srgbClr val="000000"/>
-              </a:solidFill>
-              <a:latin typeface="Glacial Indifference Italics"/>
-              <a:ea typeface="Glacial Indifference Italics"/>
-              <a:cs typeface="Glacial Indifference Italics"/>
-              <a:sym typeface="Glacial Indifference Italics"/>
-            </a:endParaRPr>
           </a:p>
           <a:p>
             <a:pPr marL="1338580" lvl="2" indent="-446405" algn="l">
@@ -4422,15 +4204,6 @@
               </a:rPr>
               <a:t>Balanceo de carga que permita distribuir las solicitudes entrantes entre múltiples servidores.</a:t>
             </a:r>
-            <a:endParaRPr lang="en-US" sz="3100" i="1">
-              <a:solidFill>
-                <a:srgbClr val="000000"/>
-              </a:solidFill>
-              <a:latin typeface="Glacial Indifference Italics"/>
-              <a:ea typeface="Glacial Indifference Italics"/>
-              <a:cs typeface="Glacial Indifference Italics"/>
-              <a:sym typeface="Glacial Indifference Italics"/>
-            </a:endParaRPr>
           </a:p>
           <a:p>
             <a:pPr marL="1338580" lvl="2" indent="-446405" algn="l">
@@ -4463,15 +4236,6 @@
               </a:rPr>
               <a:t> Con ayuda de Rate Limiting.</a:t>
             </a:r>
-            <a:endParaRPr lang="en-US" sz="3100" i="1">
-              <a:solidFill>
-                <a:srgbClr val="000000"/>
-              </a:solidFill>
-              <a:latin typeface="Glacial Indifference Italics"/>
-              <a:ea typeface="Glacial Indifference Italics"/>
-              <a:cs typeface="Glacial Indifference Italics"/>
-              <a:sym typeface="Glacial Indifference Italics"/>
-            </a:endParaRPr>
           </a:p>
         </p:txBody>
       </p:sp>
@@ -4541,15 +4305,6 @@
               </a:rPr>
               <a:t>Tácticas</a:t>
             </a:r>
-            <a:endParaRPr lang="en-US" sz="6500" b="1">
-              <a:solidFill>
-                <a:srgbClr val="000000"/>
-              </a:solidFill>
-              <a:latin typeface="Glacial Indifference Bold" panose="00000800000000000000"/>
-              <a:ea typeface="Glacial Indifference Bold" panose="00000800000000000000"/>
-              <a:cs typeface="Glacial Indifference Bold" panose="00000800000000000000"/>
-              <a:sym typeface="Glacial Indifference Bold" panose="00000800000000000000"/>
-            </a:endParaRPr>
           </a:p>
         </p:txBody>
       </p:sp>
@@ -4591,15 +4346,6 @@
               </a:rPr>
               <a:t>     3.Seguridad</a:t>
             </a:r>
-            <a:endParaRPr lang="en-US" sz="3100">
-              <a:solidFill>
-                <a:srgbClr val="000000"/>
-              </a:solidFill>
-              <a:latin typeface="Glacial Indifference"/>
-              <a:ea typeface="Glacial Indifference"/>
-              <a:cs typeface="Glacial Indifference"/>
-              <a:sym typeface="Glacial Indifference"/>
-            </a:endParaRPr>
           </a:p>
           <a:p>
             <a:pPr marL="1338580" lvl="2" indent="-446405" algn="l">
@@ -4644,15 +4390,6 @@
               </a:rPr>
               <a:t>OAuth 2.0 y la Autenticación Multifactor (MFA), acompañado de un Firewall.</a:t>
             </a:r>
-            <a:endParaRPr lang="en-US" sz="3100" i="1">
-              <a:solidFill>
-                <a:srgbClr val="000000"/>
-              </a:solidFill>
-              <a:latin typeface="Glacial Indifference Italics"/>
-              <a:ea typeface="Glacial Indifference Italics"/>
-              <a:cs typeface="Glacial Indifference Italics"/>
-              <a:sym typeface="Glacial Indifference Italics"/>
-            </a:endParaRPr>
           </a:p>
           <a:p>
             <a:pPr marL="1338580" lvl="2" indent="-446405" algn="l">
@@ -4685,15 +4422,6 @@
               </a:rPr>
               <a:t>Implementar pasarela de pagos certificadas, que cumplan con estándares internacionales de seguridad (como PCI-DSS).</a:t>
             </a:r>
-            <a:endParaRPr lang="en-US" sz="3100" i="1">
-              <a:solidFill>
-                <a:srgbClr val="000000"/>
-              </a:solidFill>
-              <a:latin typeface="Glacial Indifference Italics"/>
-              <a:ea typeface="Glacial Indifference Italics"/>
-              <a:cs typeface="Glacial Indifference Italics"/>
-              <a:sym typeface="Glacial Indifference Italics"/>
-            </a:endParaRPr>
           </a:p>
           <a:p>
             <a:pPr marL="1338580" lvl="2" indent="-446405" algn="l">
@@ -4726,15 +4454,6 @@
               </a:rPr>
               <a:t>Implementación de SSL/TLS se realiza mediante el protocolo HTTPS.</a:t>
             </a:r>
-            <a:endParaRPr lang="en-US" sz="3100" i="1">
-              <a:solidFill>
-                <a:srgbClr val="000000"/>
-              </a:solidFill>
-              <a:latin typeface="Glacial Indifference Italics"/>
-              <a:ea typeface="Glacial Indifference Italics"/>
-              <a:cs typeface="Glacial Indifference Italics"/>
-              <a:sym typeface="Glacial Indifference Italics"/>
-            </a:endParaRPr>
           </a:p>
           <a:p>
             <a:pPr algn="l">
@@ -4752,29 +4471,8 @@
                 <a:cs typeface="Glacial Indifference"/>
                 <a:sym typeface="Glacial Indifference"/>
               </a:rPr>
-              <a:t>    </a:t>
-            </a:r>
-            <a:r>
-              <a:rPr lang="en-US" sz="3100">
-                <a:solidFill>
-                  <a:srgbClr val="000000"/>
-                </a:solidFill>
-                <a:latin typeface="Glacial Indifference"/>
-                <a:ea typeface="Glacial Indifference"/>
-                <a:cs typeface="Glacial Indifference"/>
-                <a:sym typeface="Glacial Indifference"/>
-              </a:rPr>
-              <a:t>4.Flexibilidad</a:t>
-            </a:r>
-            <a:endParaRPr lang="en-US" sz="3100">
-              <a:solidFill>
-                <a:srgbClr val="000000"/>
-              </a:solidFill>
-              <a:latin typeface="Glacial Indifference"/>
-              <a:ea typeface="Glacial Indifference"/>
-              <a:cs typeface="Glacial Indifference"/>
-              <a:sym typeface="Glacial Indifference"/>
-            </a:endParaRPr>
+              <a:t>    4.Flexibilidad</a:t>
+            </a:r>
           </a:p>
           <a:p>
             <a:pPr marL="1338580" lvl="2" indent="-446405" algn="l">
@@ -4807,15 +4505,6 @@
               </a:rPr>
               <a:t>Aumento en número de servidores por zona.</a:t>
             </a:r>
-            <a:endParaRPr lang="en-US" sz="3100" i="1">
-              <a:solidFill>
-                <a:srgbClr val="000000"/>
-              </a:solidFill>
-              <a:latin typeface="Glacial Indifference Italics"/>
-              <a:ea typeface="Glacial Indifference Italics"/>
-              <a:cs typeface="Glacial Indifference Italics"/>
-              <a:sym typeface="Glacial Indifference Italics"/>
-            </a:endParaRPr>
           </a:p>
           <a:p>
             <a:pPr marL="1338580" lvl="2" indent="-446405" algn="l">
@@ -4848,15 +4537,6 @@
               </a:rPr>
               <a:t>Despliegue Zero Downtime, acompañado de Canary Releases.</a:t>
             </a:r>
-            <a:endParaRPr lang="en-US" sz="3100" i="1">
-              <a:solidFill>
-                <a:srgbClr val="000000"/>
-              </a:solidFill>
-              <a:latin typeface="Glacial Indifference Italics"/>
-              <a:ea typeface="Glacial Indifference Italics"/>
-              <a:cs typeface="Glacial Indifference Italics"/>
-              <a:sym typeface="Glacial Indifference Italics"/>
-            </a:endParaRPr>
           </a:p>
           <a:p>
             <a:pPr algn="l">
@@ -4876,15 +4556,6 @@
               </a:rPr>
               <a:t>    5.Usabilidad</a:t>
             </a:r>
-            <a:endParaRPr lang="en-US" sz="3100">
-              <a:solidFill>
-                <a:srgbClr val="000000"/>
-              </a:solidFill>
-              <a:latin typeface="Glacial Indifference"/>
-              <a:ea typeface="Glacial Indifference"/>
-              <a:cs typeface="Glacial Indifference"/>
-              <a:sym typeface="Glacial Indifference"/>
-            </a:endParaRPr>
           </a:p>
           <a:p>
             <a:pPr marL="1338580" lvl="2" indent="-446405" algn="l">
@@ -4917,15 +4588,6 @@
               </a:rPr>
               <a:t>Templates reutilizables y dashboard interactivos</a:t>
             </a:r>
-            <a:endParaRPr lang="en-US" sz="3100" i="1">
-              <a:solidFill>
-                <a:srgbClr val="000000"/>
-              </a:solidFill>
-              <a:latin typeface="Glacial Indifference Italics"/>
-              <a:ea typeface="Glacial Indifference Italics"/>
-              <a:cs typeface="Glacial Indifference Italics"/>
-              <a:sym typeface="Glacial Indifference Italics"/>
-            </a:endParaRPr>
           </a:p>
           <a:p>
             <a:pPr marL="1338580" lvl="2" indent="-446405" algn="l">
@@ -4958,15 +4620,6 @@
               </a:rPr>
               <a:t>Notificaciones mediante WebSockets.</a:t>
             </a:r>
-            <a:endParaRPr lang="en-US" sz="3100" i="1">
-              <a:solidFill>
-                <a:srgbClr val="000000"/>
-              </a:solidFill>
-              <a:latin typeface="Glacial Indifference Italics"/>
-              <a:ea typeface="Glacial Indifference Italics"/>
-              <a:cs typeface="Glacial Indifference Italics"/>
-              <a:sym typeface="Glacial Indifference Italics"/>
-            </a:endParaRPr>
           </a:p>
         </p:txBody>
       </p:sp>
@@ -5035,15 +4688,6 @@
               </a:rPr>
               <a:t>API Gateway:</a:t>
             </a:r>
-            <a:endParaRPr lang="en-US" sz="3200">
-              <a:solidFill>
-                <a:srgbClr val="000000"/>
-              </a:solidFill>
-              <a:latin typeface="Glacial Indifference"/>
-              <a:ea typeface="Glacial Indifference"/>
-              <a:cs typeface="Glacial Indifference"/>
-              <a:sym typeface="Glacial Indifference"/>
-            </a:endParaRPr>
           </a:p>
           <a:p>
             <a:pPr marL="1381760" lvl="2" indent="-460375" algn="just">
@@ -5065,15 +4709,6 @@
               </a:rPr>
               <a:t>Implementación de Circuit-Breaker y Retry</a:t>
             </a:r>
-            <a:endParaRPr lang="en-US" sz="3200">
-              <a:solidFill>
-                <a:srgbClr val="000000"/>
-              </a:solidFill>
-              <a:latin typeface="Glacial Indifference"/>
-              <a:ea typeface="Glacial Indifference"/>
-              <a:cs typeface="Glacial Indifference"/>
-              <a:sym typeface="Glacial Indifference"/>
-            </a:endParaRPr>
           </a:p>
           <a:p>
             <a:pPr marL="1381760" lvl="2" indent="-460375" algn="just">
@@ -5095,15 +4730,6 @@
               </a:rPr>
               <a:t>Integración de monitoreo con Prometheus y Grafana</a:t>
             </a:r>
-            <a:endParaRPr lang="en-US" sz="3200">
-              <a:solidFill>
-                <a:srgbClr val="000000"/>
-              </a:solidFill>
-              <a:latin typeface="Glacial Indifference"/>
-              <a:ea typeface="Glacial Indifference"/>
-              <a:cs typeface="Glacial Indifference"/>
-              <a:sym typeface="Glacial Indifference"/>
-            </a:endParaRPr>
           </a:p>
           <a:p>
             <a:pPr marL="690880" lvl="1" indent="-345440" algn="just">
@@ -5125,15 +4751,6 @@
               </a:rPr>
               <a:t>Event-Driven:</a:t>
             </a:r>
-            <a:endParaRPr lang="en-US" sz="3200">
-              <a:solidFill>
-                <a:srgbClr val="000000"/>
-              </a:solidFill>
-              <a:latin typeface="Glacial Indifference"/>
-              <a:ea typeface="Glacial Indifference"/>
-              <a:cs typeface="Glacial Indifference"/>
-              <a:sym typeface="Glacial Indifference"/>
-            </a:endParaRPr>
           </a:p>
           <a:p>
             <a:pPr marL="1381760" lvl="2" indent="-460375" algn="just">
@@ -5155,15 +4772,6 @@
               </a:rPr>
               <a:t>Desacoplar llamados entre servicios bajo ciertos eventos específicos.</a:t>
             </a:r>
-            <a:endParaRPr lang="en-US" sz="3200">
-              <a:solidFill>
-                <a:srgbClr val="000000"/>
-              </a:solidFill>
-              <a:latin typeface="Glacial Indifference"/>
-              <a:ea typeface="Glacial Indifference"/>
-              <a:cs typeface="Glacial Indifference"/>
-              <a:sym typeface="Glacial Indifference"/>
-            </a:endParaRPr>
           </a:p>
           <a:p>
             <a:pPr marL="1381760" lvl="2" indent="-460375" algn="just">
@@ -5185,15 +4793,6 @@
               </a:rPr>
               <a:t>Integración con parte del patrón Broker para llamado de rutas respectivas.</a:t>
             </a:r>
-            <a:endParaRPr lang="en-US" sz="3200">
-              <a:solidFill>
-                <a:srgbClr val="000000"/>
-              </a:solidFill>
-              <a:latin typeface="Glacial Indifference"/>
-              <a:ea typeface="Glacial Indifference"/>
-              <a:cs typeface="Glacial Indifference"/>
-              <a:sym typeface="Glacial Indifference"/>
-            </a:endParaRPr>
           </a:p>
           <a:p>
             <a:pPr marL="690880" lvl="1" indent="-345440" algn="just">
@@ -5215,15 +4814,6 @@
               </a:rPr>
               <a:t>Microservicios:</a:t>
             </a:r>
-            <a:endParaRPr lang="en-US" sz="3200">
-              <a:solidFill>
-                <a:srgbClr val="000000"/>
-              </a:solidFill>
-              <a:latin typeface="Glacial Indifference"/>
-              <a:ea typeface="Glacial Indifference"/>
-              <a:cs typeface="Glacial Indifference"/>
-              <a:sym typeface="Glacial Indifference"/>
-            </a:endParaRPr>
           </a:p>
           <a:p>
             <a:pPr marL="1381760" lvl="2" indent="-460375" algn="just">
@@ -5246,29 +4836,8 @@
                 <a:cs typeface="Glacial Indifference"/>
                 <a:sym typeface="Glacial Indifference"/>
               </a:rPr>
-              <a:t>Escalabilidad independiente</a:t>
-            </a:r>
-            <a:r>
-              <a:rPr lang="en-US" sz="3200">
-                <a:solidFill>
-                  <a:srgbClr val="000000"/>
-                </a:solidFill>
-                <a:latin typeface="Glacial Indifference"/>
-                <a:ea typeface="Glacial Indifference"/>
-                <a:cs typeface="Glacial Indifference"/>
-                <a:sym typeface="Glacial Indifference"/>
-              </a:rPr>
-              <a:t>.</a:t>
-            </a:r>
-            <a:endParaRPr lang="en-US" sz="3200">
-              <a:solidFill>
-                <a:srgbClr val="000000"/>
-              </a:solidFill>
-              <a:latin typeface="Glacial Indifference"/>
-              <a:ea typeface="Glacial Indifference"/>
-              <a:cs typeface="Glacial Indifference"/>
-              <a:sym typeface="Glacial Indifference"/>
-            </a:endParaRPr>
+              <a:t>Escalabilidad independiente.</a:t>
+            </a:r>
           </a:p>
           <a:p>
             <a:pPr marL="1381760" lvl="2" indent="-460375" algn="just">
@@ -5293,15 +4862,6 @@
               </a:rPr>
               <a:t>Modularidad y separación de responsabilidades.</a:t>
             </a:r>
-            <a:endParaRPr lang="en-US" sz="3200">
-              <a:solidFill>
-                <a:srgbClr val="000000"/>
-              </a:solidFill>
-              <a:latin typeface="Glacial Indifference"/>
-              <a:ea typeface="Glacial Indifference"/>
-              <a:cs typeface="Glacial Indifference"/>
-              <a:sym typeface="Glacial Indifference"/>
-            </a:endParaRPr>
           </a:p>
           <a:p>
             <a:pPr marL="1381760" lvl="2" indent="-460375" algn="just">
@@ -5326,15 +4886,6 @@
               </a:rPr>
               <a:t>Tolerancia a fallos.</a:t>
             </a:r>
-            <a:endParaRPr lang="en-US" sz="3200">
-              <a:solidFill>
-                <a:srgbClr val="000000"/>
-              </a:solidFill>
-              <a:latin typeface="Glacial Indifference"/>
-              <a:ea typeface="Glacial Indifference"/>
-              <a:cs typeface="Glacial Indifference"/>
-              <a:sym typeface="Glacial Indifference"/>
-            </a:endParaRPr>
           </a:p>
         </p:txBody>
       </p:sp>
@@ -5379,15 +4930,6 @@
               </a:rPr>
               <a:t>Patrones</a:t>
             </a:r>
-            <a:endParaRPr lang="en-US" sz="6500" b="1">
-              <a:solidFill>
-                <a:srgbClr val="000000"/>
-              </a:solidFill>
-              <a:latin typeface="Glacial Indifference Bold" panose="00000800000000000000"/>
-              <a:ea typeface="Glacial Indifference Bold" panose="00000800000000000000"/>
-              <a:cs typeface="Glacial Indifference Bold" panose="00000800000000000000"/>
-              <a:sym typeface="Glacial Indifference Bold" panose="00000800000000000000"/>
-            </a:endParaRPr>
           </a:p>
         </p:txBody>
       </p:sp>
@@ -5457,15 +4999,6 @@
               </a:rPr>
               <a:t>Escenarios</a:t>
             </a:r>
-            <a:endParaRPr lang="en-US" sz="6500" b="1">
-              <a:solidFill>
-                <a:srgbClr val="000000"/>
-              </a:solidFill>
-              <a:latin typeface="Glacial Indifference Bold" panose="00000800000000000000"/>
-              <a:ea typeface="Glacial Indifference Bold" panose="00000800000000000000"/>
-              <a:cs typeface="Glacial Indifference Bold" panose="00000800000000000000"/>
-              <a:sym typeface="Glacial Indifference Bold" panose="00000800000000000000"/>
-            </a:endParaRPr>
           </a:p>
         </p:txBody>
       </p:sp>
@@ -5533,7 +5066,7 @@
             </a:pathLst>
           </a:custGeom>
           <a:blipFill>
-            <a:blip r:embed="rId1"/>
+            <a:blip r:embed="rId2"/>
             <a:stretch>
               <a:fillRect t="-489" b="-489"/>
             </a:stretch>
@@ -5581,15 +5114,6 @@
               </a:rPr>
               <a:t>Comprador</a:t>
             </a:r>
-            <a:endParaRPr lang="en-US" sz="6500" b="1">
-              <a:solidFill>
-                <a:srgbClr val="000000"/>
-              </a:solidFill>
-              <a:latin typeface="Glacial Indifference Bold" panose="00000800000000000000"/>
-              <a:ea typeface="Glacial Indifference Bold" panose="00000800000000000000"/>
-              <a:cs typeface="Glacial Indifference Bold" panose="00000800000000000000"/>
-              <a:sym typeface="Glacial Indifference Bold" panose="00000800000000000000"/>
-            </a:endParaRPr>
           </a:p>
         </p:txBody>
       </p:sp>
@@ -5657,7 +5181,7 @@
             </a:pathLst>
           </a:custGeom>
           <a:blipFill>
-            <a:blip r:embed="rId1"/>
+            <a:blip r:embed="rId2"/>
             <a:stretch>
               <a:fillRect/>
             </a:stretch>
@@ -5705,15 +5229,6 @@
               </a:rPr>
               <a:t>Proveedor</a:t>
             </a:r>
-            <a:endParaRPr lang="en-US" sz="6500" b="1">
-              <a:solidFill>
-                <a:srgbClr val="000000"/>
-              </a:solidFill>
-              <a:latin typeface="Glacial Indifference Bold" panose="00000800000000000000"/>
-              <a:ea typeface="Glacial Indifference Bold" panose="00000800000000000000"/>
-              <a:cs typeface="Glacial Indifference Bold" panose="00000800000000000000"/>
-              <a:sym typeface="Glacial Indifference Bold" panose="00000800000000000000"/>
-            </a:endParaRPr>
           </a:p>
         </p:txBody>
       </p:sp>
@@ -5783,15 +5298,6 @@
               </a:rPr>
               <a:t>AGENDA</a:t>
             </a:r>
-            <a:endParaRPr lang="en-US" sz="8500" b="1">
-              <a:solidFill>
-                <a:srgbClr val="000000"/>
-              </a:solidFill>
-              <a:latin typeface="Glacial Indifference Bold" panose="00000800000000000000"/>
-              <a:ea typeface="Glacial Indifference Bold" panose="00000800000000000000"/>
-              <a:cs typeface="Glacial Indifference Bold" panose="00000800000000000000"/>
-              <a:sym typeface="Glacial Indifference Bold" panose="00000800000000000000"/>
-            </a:endParaRPr>
           </a:p>
         </p:txBody>
       </p:sp>
@@ -5834,15 +5340,6 @@
               </a:rPr>
               <a:t> Contextos</a:t>
             </a:r>
-            <a:endParaRPr lang="en-US" sz="3200">
-              <a:solidFill>
-                <a:srgbClr val="000000"/>
-              </a:solidFill>
-              <a:latin typeface="Glacial Indifference"/>
-              <a:ea typeface="Glacial Indifference"/>
-              <a:cs typeface="Glacial Indifference"/>
-              <a:sym typeface="Glacial Indifference"/>
-            </a:endParaRPr>
           </a:p>
           <a:p>
             <a:pPr marL="690880" lvl="1" indent="-345440" algn="just">
@@ -5863,15 +5360,6 @@
               </a:rPr>
               <a:t>Interesados</a:t>
             </a:r>
-            <a:endParaRPr lang="en-US" sz="3200">
-              <a:solidFill>
-                <a:srgbClr val="000000"/>
-              </a:solidFill>
-              <a:latin typeface="Glacial Indifference"/>
-              <a:ea typeface="Glacial Indifference"/>
-              <a:cs typeface="Glacial Indifference"/>
-              <a:sym typeface="Glacial Indifference"/>
-            </a:endParaRPr>
           </a:p>
           <a:p>
             <a:pPr marL="690880" lvl="1" indent="-345440" algn="just">
@@ -5892,15 +5380,6 @@
               </a:rPr>
               <a:t>Requerimientos Funcionales</a:t>
             </a:r>
-            <a:endParaRPr lang="en-US" sz="3200">
-              <a:solidFill>
-                <a:srgbClr val="000000"/>
-              </a:solidFill>
-              <a:latin typeface="Glacial Indifference"/>
-              <a:ea typeface="Glacial Indifference"/>
-              <a:cs typeface="Glacial Indifference"/>
-              <a:sym typeface="Glacial Indifference"/>
-            </a:endParaRPr>
           </a:p>
           <a:p>
             <a:pPr marL="690880" lvl="1" indent="-345440" algn="just">
@@ -5921,15 +5400,6 @@
               </a:rPr>
               <a:t>Requerimientos No Funcionales</a:t>
             </a:r>
-            <a:endParaRPr lang="en-US" sz="3200">
-              <a:solidFill>
-                <a:srgbClr val="000000"/>
-              </a:solidFill>
-              <a:latin typeface="Glacial Indifference"/>
-              <a:ea typeface="Glacial Indifference"/>
-              <a:cs typeface="Glacial Indifference"/>
-              <a:sym typeface="Glacial Indifference"/>
-            </a:endParaRPr>
           </a:p>
           <a:p>
             <a:pPr marL="690880" lvl="1" indent="-345440" algn="just">
@@ -5950,15 +5420,6 @@
               </a:rPr>
               <a:t>Atributos de calidad</a:t>
             </a:r>
-            <a:endParaRPr lang="en-US" sz="3200">
-              <a:solidFill>
-                <a:srgbClr val="000000"/>
-              </a:solidFill>
-              <a:latin typeface="Glacial Indifference"/>
-              <a:ea typeface="Glacial Indifference"/>
-              <a:cs typeface="Glacial Indifference"/>
-              <a:sym typeface="Glacial Indifference"/>
-            </a:endParaRPr>
           </a:p>
           <a:p>
             <a:pPr marL="690880" lvl="1" indent="-345440" algn="just">
@@ -5979,15 +5440,6 @@
               </a:rPr>
               <a:t>Ponderación</a:t>
             </a:r>
-            <a:endParaRPr lang="en-US" sz="3200">
-              <a:solidFill>
-                <a:srgbClr val="000000"/>
-              </a:solidFill>
-              <a:latin typeface="Glacial Indifference"/>
-              <a:ea typeface="Glacial Indifference"/>
-              <a:cs typeface="Glacial Indifference"/>
-              <a:sym typeface="Glacial Indifference"/>
-            </a:endParaRPr>
           </a:p>
           <a:p>
             <a:pPr marL="690880" lvl="1" indent="-345440" algn="just">
@@ -6008,15 +5460,6 @@
               </a:rPr>
               <a:t>Drivers Arquitectónicos</a:t>
             </a:r>
-            <a:endParaRPr lang="en-US" sz="3200">
-              <a:solidFill>
-                <a:srgbClr val="000000"/>
-              </a:solidFill>
-              <a:latin typeface="Glacial Indifference"/>
-              <a:ea typeface="Glacial Indifference"/>
-              <a:cs typeface="Glacial Indifference"/>
-              <a:sym typeface="Glacial Indifference"/>
-            </a:endParaRPr>
           </a:p>
           <a:p>
             <a:pPr marL="690880" lvl="1" indent="-345440" algn="just">
@@ -6037,15 +5480,6 @@
               </a:rPr>
               <a:t>Tácticas</a:t>
             </a:r>
-            <a:endParaRPr lang="en-US" sz="3200">
-              <a:solidFill>
-                <a:srgbClr val="000000"/>
-              </a:solidFill>
-              <a:latin typeface="Glacial Indifference"/>
-              <a:ea typeface="Glacial Indifference"/>
-              <a:cs typeface="Glacial Indifference"/>
-              <a:sym typeface="Glacial Indifference"/>
-            </a:endParaRPr>
           </a:p>
           <a:p>
             <a:pPr marL="690880" lvl="1" indent="-345440" algn="just">
@@ -6066,15 +5500,6 @@
               </a:rPr>
               <a:t>Patrones</a:t>
             </a:r>
-            <a:endParaRPr lang="en-US" sz="3200">
-              <a:solidFill>
-                <a:srgbClr val="000000"/>
-              </a:solidFill>
-              <a:latin typeface="Glacial Indifference"/>
-              <a:ea typeface="Glacial Indifference"/>
-              <a:cs typeface="Glacial Indifference"/>
-              <a:sym typeface="Glacial Indifference"/>
-            </a:endParaRPr>
           </a:p>
           <a:p>
             <a:pPr marL="690880" lvl="1" indent="-345440" algn="just">
@@ -6095,15 +5520,6 @@
               </a:rPr>
               <a:t>Modelo 4+1 Vistas</a:t>
             </a:r>
-            <a:endParaRPr lang="en-US" sz="3200">
-              <a:solidFill>
-                <a:srgbClr val="000000"/>
-              </a:solidFill>
-              <a:latin typeface="Glacial Indifference"/>
-              <a:ea typeface="Glacial Indifference"/>
-              <a:cs typeface="Glacial Indifference"/>
-              <a:sym typeface="Glacial Indifference"/>
-            </a:endParaRPr>
           </a:p>
         </p:txBody>
       </p:sp>
@@ -6171,7 +5587,7 @@
             </a:pathLst>
           </a:custGeom>
           <a:blipFill>
-            <a:blip r:embed="rId1"/>
+            <a:blip r:embed="rId2"/>
             <a:stretch>
               <a:fillRect/>
             </a:stretch>
@@ -6219,15 +5635,6 @@
               </a:rPr>
               <a:t>Administrador</a:t>
             </a:r>
-            <a:endParaRPr lang="en-US" sz="6500" b="1">
-              <a:solidFill>
-                <a:srgbClr val="000000"/>
-              </a:solidFill>
-              <a:latin typeface="Glacial Indifference Bold" panose="00000800000000000000"/>
-              <a:ea typeface="Glacial Indifference Bold" panose="00000800000000000000"/>
-              <a:cs typeface="Glacial Indifference Bold" panose="00000800000000000000"/>
-              <a:sym typeface="Glacial Indifference Bold" panose="00000800000000000000"/>
-            </a:endParaRPr>
           </a:p>
         </p:txBody>
       </p:sp>
@@ -6295,7 +5702,7 @@
             </a:pathLst>
           </a:custGeom>
           <a:blipFill>
-            <a:blip r:embed="rId1"/>
+            <a:blip r:embed="rId2"/>
             <a:stretch>
               <a:fillRect/>
             </a:stretch>
@@ -6343,15 +5750,6 @@
               </a:rPr>
               <a:t>Vista Lógica</a:t>
             </a:r>
-            <a:endParaRPr lang="en-US" sz="6500" b="1">
-              <a:solidFill>
-                <a:srgbClr val="000000"/>
-              </a:solidFill>
-              <a:latin typeface="Glacial Indifference Bold" panose="00000800000000000000"/>
-              <a:ea typeface="Glacial Indifference Bold" panose="00000800000000000000"/>
-              <a:cs typeface="Glacial Indifference Bold" panose="00000800000000000000"/>
-              <a:sym typeface="Glacial Indifference Bold" panose="00000800000000000000"/>
-            </a:endParaRPr>
           </a:p>
         </p:txBody>
       </p:sp>
@@ -6419,7 +5817,7 @@
             </a:pathLst>
           </a:custGeom>
           <a:blipFill>
-            <a:blip r:embed="rId1"/>
+            <a:blip r:embed="rId2"/>
             <a:stretch>
               <a:fillRect/>
             </a:stretch>
@@ -6467,15 +5865,6 @@
               </a:rPr>
               <a:t>Vista de Implementación</a:t>
             </a:r>
-            <a:endParaRPr lang="en-US" sz="6500" b="1">
-              <a:solidFill>
-                <a:srgbClr val="000000"/>
-              </a:solidFill>
-              <a:latin typeface="Glacial Indifference Bold" panose="00000800000000000000"/>
-              <a:ea typeface="Glacial Indifference Bold" panose="00000800000000000000"/>
-              <a:cs typeface="Glacial Indifference Bold" panose="00000800000000000000"/>
-              <a:sym typeface="Glacial Indifference Bold" panose="00000800000000000000"/>
-            </a:endParaRPr>
           </a:p>
         </p:txBody>
       </p:sp>
@@ -6545,15 +5934,6 @@
               </a:rPr>
               <a:t>Vista de Procesos</a:t>
             </a:r>
-            <a:endParaRPr lang="en-US" sz="6500" b="1">
-              <a:solidFill>
-                <a:srgbClr val="000000"/>
-              </a:solidFill>
-              <a:latin typeface="Glacial Indifference Bold" panose="00000800000000000000"/>
-              <a:ea typeface="Glacial Indifference Bold" panose="00000800000000000000"/>
-              <a:cs typeface="Glacial Indifference Bold" panose="00000800000000000000"/>
-              <a:sym typeface="Glacial Indifference Bold" panose="00000800000000000000"/>
-            </a:endParaRPr>
           </a:p>
         </p:txBody>
       </p:sp>
@@ -6621,7 +6001,7 @@
             </a:pathLst>
           </a:custGeom>
           <a:blipFill>
-            <a:blip r:embed="rId1"/>
+            <a:blip r:embed="rId2"/>
             <a:stretch>
               <a:fillRect/>
             </a:stretch>
@@ -6669,15 +6049,6 @@
               </a:rPr>
               <a:t>Creación de tienda</a:t>
             </a:r>
-            <a:endParaRPr lang="en-US" sz="6500" b="1">
-              <a:solidFill>
-                <a:srgbClr val="000000"/>
-              </a:solidFill>
-              <a:latin typeface="Glacial Indifference Bold" panose="00000800000000000000"/>
-              <a:ea typeface="Glacial Indifference Bold" panose="00000800000000000000"/>
-              <a:cs typeface="Glacial Indifference Bold" panose="00000800000000000000"/>
-              <a:sym typeface="Glacial Indifference Bold" panose="00000800000000000000"/>
-            </a:endParaRPr>
           </a:p>
         </p:txBody>
       </p:sp>
@@ -6745,7 +6116,7 @@
             </a:pathLst>
           </a:custGeom>
           <a:blipFill>
-            <a:blip r:embed="rId1"/>
+            <a:blip r:embed="rId2"/>
             <a:stretch>
               <a:fillRect/>
             </a:stretch>
@@ -6793,15 +6164,6 @@
               </a:rPr>
               <a:t>Gestión de productos</a:t>
             </a:r>
-            <a:endParaRPr lang="en-US" sz="6500" b="1">
-              <a:solidFill>
-                <a:srgbClr val="000000"/>
-              </a:solidFill>
-              <a:latin typeface="Glacial Indifference Bold" panose="00000800000000000000"/>
-              <a:ea typeface="Glacial Indifference Bold" panose="00000800000000000000"/>
-              <a:cs typeface="Glacial Indifference Bold" panose="00000800000000000000"/>
-              <a:sym typeface="Glacial Indifference Bold" panose="00000800000000000000"/>
-            </a:endParaRPr>
           </a:p>
         </p:txBody>
       </p:sp>
@@ -6869,7 +6231,7 @@
             </a:pathLst>
           </a:custGeom>
           <a:blipFill>
-            <a:blip r:embed="rId1"/>
+            <a:blip r:embed="rId2"/>
             <a:stretch>
               <a:fillRect/>
             </a:stretch>
@@ -6917,15 +6279,6 @@
               </a:rPr>
               <a:t>Realización de compra de un cliente</a:t>
             </a:r>
-            <a:endParaRPr lang="en-US" sz="6500" b="1">
-              <a:solidFill>
-                <a:srgbClr val="000000"/>
-              </a:solidFill>
-              <a:latin typeface="Glacial Indifference Bold" panose="00000800000000000000"/>
-              <a:ea typeface="Glacial Indifference Bold" panose="00000800000000000000"/>
-              <a:cs typeface="Glacial Indifference Bold" panose="00000800000000000000"/>
-              <a:sym typeface="Glacial Indifference Bold" panose="00000800000000000000"/>
-            </a:endParaRPr>
           </a:p>
         </p:txBody>
       </p:sp>
@@ -6993,7 +6346,7 @@
             </a:pathLst>
           </a:custGeom>
           <a:blipFill>
-            <a:blip r:embed="rId1"/>
+            <a:blip r:embed="rId2"/>
             <a:stretch>
               <a:fillRect/>
             </a:stretch>
@@ -7041,15 +6394,6 @@
               </a:rPr>
               <a:t>Creación de reseña de un cliente</a:t>
             </a:r>
-            <a:endParaRPr lang="en-US" sz="6500" b="1">
-              <a:solidFill>
-                <a:srgbClr val="000000"/>
-              </a:solidFill>
-              <a:latin typeface="Glacial Indifference Bold" panose="00000800000000000000"/>
-              <a:ea typeface="Glacial Indifference Bold" panose="00000800000000000000"/>
-              <a:cs typeface="Glacial Indifference Bold" panose="00000800000000000000"/>
-              <a:sym typeface="Glacial Indifference Bold" panose="00000800000000000000"/>
-            </a:endParaRPr>
           </a:p>
         </p:txBody>
       </p:sp>
@@ -7117,7 +6461,7 @@
             </a:pathLst>
           </a:custGeom>
           <a:blipFill>
-            <a:blip r:embed="rId1"/>
+            <a:blip r:embed="rId2"/>
             <a:stretch>
               <a:fillRect/>
             </a:stretch>
@@ -7165,15 +6509,6 @@
               </a:rPr>
               <a:t>Gestión de facturación a proveedores</a:t>
             </a:r>
-            <a:endParaRPr lang="en-US" sz="6500" b="1">
-              <a:solidFill>
-                <a:srgbClr val="000000"/>
-              </a:solidFill>
-              <a:latin typeface="Glacial Indifference Bold" panose="00000800000000000000"/>
-              <a:ea typeface="Glacial Indifference Bold" panose="00000800000000000000"/>
-              <a:cs typeface="Glacial Indifference Bold" panose="00000800000000000000"/>
-              <a:sym typeface="Glacial Indifference Bold" panose="00000800000000000000"/>
-            </a:endParaRPr>
           </a:p>
         </p:txBody>
       </p:sp>
@@ -7241,7 +6576,7 @@
             </a:pathLst>
           </a:custGeom>
           <a:blipFill>
-            <a:blip r:embed="rId1"/>
+            <a:blip r:embed="rId2"/>
             <a:stretch>
               <a:fillRect/>
             </a:stretch>
@@ -7289,15 +6624,6 @@
               </a:rPr>
               <a:t>Vista Física</a:t>
             </a:r>
-            <a:endParaRPr lang="en-US" sz="6500" b="1">
-              <a:solidFill>
-                <a:srgbClr val="000000"/>
-              </a:solidFill>
-              <a:latin typeface="Glacial Indifference Bold" panose="00000800000000000000"/>
-              <a:ea typeface="Glacial Indifference Bold" panose="00000800000000000000"/>
-              <a:cs typeface="Glacial Indifference Bold" panose="00000800000000000000"/>
-              <a:sym typeface="Glacial Indifference Bold" panose="00000800000000000000"/>
-            </a:endParaRPr>
           </a:p>
         </p:txBody>
       </p:sp>
@@ -7379,15 +6705,6 @@
               </a:rPr>
               <a:t>o</a:t>
             </a:r>
-            <a:endParaRPr lang="es-CO" altLang="en-US" sz="6500" b="1">
-              <a:solidFill>
-                <a:srgbClr val="000000"/>
-              </a:solidFill>
-              <a:latin typeface="Glacial Indifference Bold" panose="00000800000000000000"/>
-              <a:ea typeface="Glacial Indifference Bold" panose="00000800000000000000"/>
-              <a:cs typeface="Glacial Indifference Bold" panose="00000800000000000000"/>
-              <a:sym typeface="Glacial Indifference Bold" panose="00000800000000000000"/>
-            </a:endParaRPr>
           </a:p>
         </p:txBody>
       </p:sp>
@@ -7432,15 +6749,6 @@
               </a:rPr>
               <a:t>El proyecto consiste en desarrollar una plataforma SaaS (Software as a Service) que será administrada por una empresa a fin de ofrecer una herramienta que permita a pequeños y medianos negocios crear y gestionar sus propios portales de comercio electrónico de forma sencilla y con mínima administración técnica, accediendo a todas las funcionalidades usuales de un paquete de comercio electrónico. Esto incluiría intercambio de monedas e internacionalización, manejo de usuarios y confiabilidad.</a:t>
             </a:r>
-            <a:endParaRPr lang="en-US" sz="3200">
-              <a:solidFill>
-                <a:srgbClr val="000000"/>
-              </a:solidFill>
-              <a:latin typeface="Glacial Indifference"/>
-              <a:ea typeface="Glacial Indifference"/>
-              <a:cs typeface="Glacial Indifference"/>
-              <a:sym typeface="Glacial Indifference"/>
-            </a:endParaRPr>
           </a:p>
         </p:txBody>
       </p:sp>
@@ -7497,15 +6805,6 @@
               </a:rPr>
               <a:t>os</a:t>
             </a:r>
-            <a:endParaRPr lang="es-CO" altLang="en-US" sz="6500" b="1">
-              <a:solidFill>
-                <a:srgbClr val="000000"/>
-              </a:solidFill>
-              <a:latin typeface="Glacial Indifference Bold" panose="00000800000000000000"/>
-              <a:ea typeface="Glacial Indifference Bold" panose="00000800000000000000"/>
-              <a:cs typeface="Glacial Indifference Bold" panose="00000800000000000000"/>
-              <a:sym typeface="Glacial Indifference Bold" panose="00000800000000000000"/>
-            </a:endParaRPr>
           </a:p>
         </p:txBody>
       </p:sp>
@@ -7549,15 +6848,6 @@
               </a:rPr>
               <a:t>Proveedores</a:t>
             </a:r>
-            <a:endParaRPr lang="en-US" sz="3200">
-              <a:solidFill>
-                <a:srgbClr val="000000"/>
-              </a:solidFill>
-              <a:latin typeface="Glacial Indifference"/>
-              <a:ea typeface="Glacial Indifference"/>
-              <a:cs typeface="Glacial Indifference"/>
-              <a:sym typeface="Glacial Indifference"/>
-            </a:endParaRPr>
           </a:p>
           <a:p>
             <a:pPr marL="690880" lvl="1" indent="-345440" algn="just">
@@ -7579,15 +6869,6 @@
               </a:rPr>
               <a:t>Compradores</a:t>
             </a:r>
-            <a:endParaRPr lang="en-US" sz="3200">
-              <a:solidFill>
-                <a:srgbClr val="000000"/>
-              </a:solidFill>
-              <a:latin typeface="Glacial Indifference"/>
-              <a:ea typeface="Glacial Indifference"/>
-              <a:cs typeface="Glacial Indifference"/>
-              <a:sym typeface="Glacial Indifference"/>
-            </a:endParaRPr>
           </a:p>
           <a:p>
             <a:pPr marL="690880" lvl="1" indent="-345440" algn="just">
@@ -7612,15 +6893,6 @@
               </a:rPr>
               <a:t>Administrador</a:t>
             </a:r>
-            <a:endParaRPr lang="en-US" sz="3200">
-              <a:solidFill>
-                <a:srgbClr val="000000"/>
-              </a:solidFill>
-              <a:latin typeface="Glacial Indifference"/>
-              <a:ea typeface="Glacial Indifference"/>
-              <a:cs typeface="Glacial Indifference"/>
-              <a:sym typeface="Glacial Indifference"/>
-            </a:endParaRPr>
           </a:p>
         </p:txBody>
       </p:sp>
@@ -7664,15 +6936,6 @@
               </a:rPr>
               <a:t>Equipo de TI</a:t>
             </a:r>
-            <a:endParaRPr lang="en-US" sz="3200">
-              <a:solidFill>
-                <a:srgbClr val="000000"/>
-              </a:solidFill>
-              <a:latin typeface="Glacial Indifference"/>
-              <a:ea typeface="Glacial Indifference"/>
-              <a:cs typeface="Glacial Indifference"/>
-              <a:sym typeface="Glacial Indifference"/>
-            </a:endParaRPr>
           </a:p>
           <a:p>
             <a:pPr marL="690880" lvl="1" indent="-345440" algn="just">
@@ -7697,15 +6960,6 @@
               </a:rPr>
               <a:t>Equipo de Seguridad</a:t>
             </a:r>
-            <a:endParaRPr lang="en-US" sz="3200">
-              <a:solidFill>
-                <a:srgbClr val="000000"/>
-              </a:solidFill>
-              <a:latin typeface="Glacial Indifference"/>
-              <a:ea typeface="Glacial Indifference"/>
-              <a:cs typeface="Glacial Indifference"/>
-              <a:sym typeface="Glacial Indifference"/>
-            </a:endParaRPr>
           </a:p>
         </p:txBody>
       </p:sp>
@@ -7773,7 +7027,7 @@
             </a:pathLst>
           </a:custGeom>
           <a:blipFill>
-            <a:blip r:embed="rId1"/>
+            <a:blip r:embed="rId2"/>
             <a:stretch>
               <a:fillRect/>
             </a:stretch>
@@ -7818,6 +7072,16 @@
               </a:rPr>
               <a:t>Requerimientos Funcionales (compradores)</a:t>
             </a:r>
+          </a:p>
+          <a:p>
+            <a:pPr algn="l">
+              <a:lnSpc>
+                <a:spcPts val="9100"/>
+              </a:lnSpc>
+              <a:spcBef>
+                <a:spcPct val="0"/>
+              </a:spcBef>
+            </a:pPr>
             <a:endParaRPr lang="en-US" sz="6500" b="1">
               <a:solidFill>
                 <a:srgbClr val="000000"/>
@@ -7827,16 +7091,6 @@
               <a:cs typeface="Glacial Indifference Bold" panose="00000800000000000000"/>
               <a:sym typeface="Glacial Indifference Bold" panose="00000800000000000000"/>
             </a:endParaRPr>
-          </a:p>
-          <a:p>
-            <a:pPr algn="l">
-              <a:lnSpc>
-                <a:spcPts val="9100"/>
-              </a:lnSpc>
-              <a:spcBef>
-                <a:spcPct val="0"/>
-              </a:spcBef>
-            </a:pPr>
           </a:p>
         </p:txBody>
       </p:sp>
@@ -7904,7 +7158,7 @@
             </a:pathLst>
           </a:custGeom>
           <a:blipFill>
-            <a:blip r:embed="rId1"/>
+            <a:blip r:embed="rId2"/>
             <a:stretch>
               <a:fillRect/>
             </a:stretch>
@@ -7952,15 +7206,6 @@
               </a:rPr>
               <a:t>Requerimientos Funcionales (proveedores)</a:t>
             </a:r>
-            <a:endParaRPr lang="en-US" sz="6500" b="1">
-              <a:solidFill>
-                <a:srgbClr val="000000"/>
-              </a:solidFill>
-              <a:latin typeface="Glacial Indifference Bold" panose="00000800000000000000"/>
-              <a:ea typeface="Glacial Indifference Bold" panose="00000800000000000000"/>
-              <a:cs typeface="Glacial Indifference Bold" panose="00000800000000000000"/>
-              <a:sym typeface="Glacial Indifference Bold" panose="00000800000000000000"/>
-            </a:endParaRPr>
           </a:p>
         </p:txBody>
       </p:sp>
@@ -7991,52 +7236,6 @@
       </p:grpSpPr>
       <p:sp>
         <p:nvSpPr>
-          <p:cNvPr id="2" name="Freeform 2"/>
-          <p:cNvSpPr/>
-          <p:nvPr/>
-        </p:nvSpPr>
-        <p:spPr>
-          <a:xfrm>
-            <a:off x="2103718" y="2088017"/>
-            <a:ext cx="14324723" cy="7663727"/>
-          </a:xfrm>
-          <a:custGeom>
-            <a:avLst/>
-            <a:gdLst/>
-            <a:ahLst/>
-            <a:cxnLst/>
-            <a:rect l="l" t="t" r="r" b="b"/>
-            <a:pathLst>
-              <a:path w="14324723" h="7663727">
-                <a:moveTo>
-                  <a:pt x="0" y="0"/>
-                </a:moveTo>
-                <a:lnTo>
-                  <a:pt x="14324724" y="0"/>
-                </a:lnTo>
-                <a:lnTo>
-                  <a:pt x="14324724" y="7663727"/>
-                </a:lnTo>
-                <a:lnTo>
-                  <a:pt x="0" y="7663727"/>
-                </a:lnTo>
-                <a:lnTo>
-                  <a:pt x="0" y="0"/>
-                </a:lnTo>
-                <a:close/>
-              </a:path>
-            </a:pathLst>
-          </a:custGeom>
-          <a:blipFill>
-            <a:blip r:embed="rId1"/>
-            <a:stretch>
-              <a:fillRect/>
-            </a:stretch>
-          </a:blipFill>
-        </p:spPr>
-      </p:sp>
-      <p:sp>
-        <p:nvSpPr>
           <p:cNvPr id="3" name="TextBox 3"/>
           <p:cNvSpPr txBox="1"/>
           <p:nvPr/>
@@ -8076,18 +7275,39 @@
               </a:rPr>
               <a:t>Requerimientos Funcionales (administrador)</a:t>
             </a:r>
-            <a:endParaRPr lang="en-US" sz="6500" b="1">
-              <a:solidFill>
-                <a:srgbClr val="000000"/>
-              </a:solidFill>
-              <a:latin typeface="Glacial Indifference Bold" panose="00000800000000000000"/>
-              <a:ea typeface="Glacial Indifference Bold" panose="00000800000000000000"/>
-              <a:cs typeface="Glacial Indifference Bold" panose="00000800000000000000"/>
-              <a:sym typeface="Glacial Indifference Bold" panose="00000800000000000000"/>
-            </a:endParaRPr>
-          </a:p>
-        </p:txBody>
-      </p:sp>
+          </a:p>
+        </p:txBody>
+      </p:sp>
+      <p:pic>
+        <p:nvPicPr>
+          <p:cNvPr id="9" name="Imagen 8">
+            <a:extLst>
+              <a:ext uri="{FF2B5EF4-FFF2-40B4-BE49-F238E27FC236}">
+                <a16:creationId xmlns:a16="http://schemas.microsoft.com/office/drawing/2014/main" id="{FDC6C6CA-0E8B-3DD2-CD15-DEEDDFFF2AD3}"/>
+              </a:ext>
+            </a:extLst>
+          </p:cNvPr>
+          <p:cNvPicPr>
+            <a:picLocks noChangeAspect="1"/>
+          </p:cNvPicPr>
+          <p:nvPr/>
+        </p:nvPicPr>
+        <p:blipFill>
+          <a:blip r:embed="rId2"/>
+          <a:stretch>
+            <a:fillRect/>
+          </a:stretch>
+        </p:blipFill>
+        <p:spPr>
+          <a:xfrm>
+            <a:off x="2757621" y="2324100"/>
+            <a:ext cx="12772757" cy="6786957"/>
+          </a:xfrm>
+          <a:prstGeom prst="rect">
+            <a:avLst/>
+          </a:prstGeom>
+        </p:spPr>
+      </p:pic>
     </p:spTree>
   </p:cSld>
   <p:clrMapOvr>
@@ -8152,7 +7372,7 @@
             </a:pathLst>
           </a:custGeom>
           <a:blipFill>
-            <a:blip r:embed="rId1"/>
+            <a:blip r:embed="rId2"/>
             <a:stretch>
               <a:fillRect/>
             </a:stretch>
@@ -8200,15 +7420,6 @@
               </a:rPr>
               <a:t>Requerimientos No Funcionales</a:t>
             </a:r>
-            <a:endParaRPr lang="en-US" sz="6500" b="1">
-              <a:solidFill>
-                <a:srgbClr val="000000"/>
-              </a:solidFill>
-              <a:latin typeface="Glacial Indifference Bold" panose="00000800000000000000"/>
-              <a:ea typeface="Glacial Indifference Bold" panose="00000800000000000000"/>
-              <a:cs typeface="Glacial Indifference Bold" panose="00000800000000000000"/>
-              <a:sym typeface="Glacial Indifference Bold" panose="00000800000000000000"/>
-            </a:endParaRPr>
           </a:p>
         </p:txBody>
       </p:sp>
@@ -8276,7 +7487,7 @@
             </a:pathLst>
           </a:custGeom>
           <a:blipFill>
-            <a:blip r:embed="rId1"/>
+            <a:blip r:embed="rId2"/>
             <a:stretch>
               <a:fillRect/>
             </a:stretch>
@@ -8290,7 +7501,7 @@
           <p:nvPr/>
         </p:nvGrpSpPr>
         <p:grpSpPr>
-          <a:xfrm rot="0">
+          <a:xfrm>
             <a:off x="10149805" y="7621715"/>
             <a:ext cx="203203" cy="278341"/>
             <a:chOff x="0" y="0"/>
@@ -8376,15 +7587,6 @@
                 </a:rPr>
                 <a:t>&gt;</a:t>
               </a:r>
-              <a:endParaRPr lang="en-US" sz="1000">
-                <a:solidFill>
-                  <a:srgbClr val="000000"/>
-                </a:solidFill>
-                <a:latin typeface="Open Sans" panose="020B0606030504020204"/>
-                <a:ea typeface="Open Sans" panose="020B0606030504020204"/>
-                <a:cs typeface="Open Sans" panose="020B0606030504020204"/>
-                <a:sym typeface="Open Sans" panose="020B0606030504020204"/>
-              </a:endParaRPr>
             </a:p>
           </p:txBody>
         </p:sp>
@@ -8430,15 +7632,6 @@
               </a:rPr>
               <a:t>Requerimientos No Funcionales</a:t>
             </a:r>
-            <a:endParaRPr lang="en-US" sz="6500" b="1">
-              <a:solidFill>
-                <a:srgbClr val="000000"/>
-              </a:solidFill>
-              <a:latin typeface="Glacial Indifference Bold" panose="00000800000000000000"/>
-              <a:ea typeface="Glacial Indifference Bold" panose="00000800000000000000"/>
-              <a:cs typeface="Glacial Indifference Bold" panose="00000800000000000000"/>
-              <a:sym typeface="Glacial Indifference Bold" panose="00000800000000000000"/>
-            </a:endParaRPr>
           </a:p>
         </p:txBody>
       </p:sp>
@@ -8506,7 +7699,7 @@
             </a:pathLst>
           </a:custGeom>
           <a:blipFill>
-            <a:blip r:embed="rId1"/>
+            <a:blip r:embed="rId2"/>
             <a:stretch>
               <a:fillRect/>
             </a:stretch>
@@ -8554,15 +7747,6 @@
               </a:rPr>
               <a:t>Requerimientos No Funcionales</a:t>
             </a:r>
-            <a:endParaRPr lang="en-US" sz="6500" b="1">
-              <a:solidFill>
-                <a:srgbClr val="000000"/>
-              </a:solidFill>
-              <a:latin typeface="Glacial Indifference Bold" panose="00000800000000000000"/>
-              <a:ea typeface="Glacial Indifference Bold" panose="00000800000000000000"/>
-              <a:cs typeface="Glacial Indifference Bold" panose="00000800000000000000"/>
-              <a:sym typeface="Glacial Indifference Bold" panose="00000800000000000000"/>
-            </a:endParaRPr>
           </a:p>
         </p:txBody>
       </p:sp>
@@ -8852,6 +8036,8 @@
       </a:bgFillStyleLst>
     </a:fmtScheme>
   </a:themeElements>
+  <a:objectDefaults/>
+  <a:extraClrSchemeLst/>
   <a:extLst>
     <a:ext uri="{05A4C25C-085E-4340-85A3-A5531E510DB2}">
       <thm15:themeFamily xmlns:thm15="http://schemas.microsoft.com/office/thememl/2012/main" name="Office Theme" id="{62F939B6-93AF-4DB8-9C6B-D6C7DFDC589F}" vid="{4A3C46E8-61CC-4603-A589-7422A47A8E4A}"/>
